--- a/Statistics for Marketing/Course 3 Capstone Deck.pptx
+++ b/Statistics for Marketing/Course 3 Capstone Deck.pptx
@@ -5,30 +5,29 @@
     <p:sldMasterId id="2147483659" r:id="rId1"/>
   </p:sldMasterIdLst>
   <p:notesMasterIdLst>
-    <p:notesMasterId r:id="rId23"/>
+    <p:notesMasterId r:id="rId22"/>
   </p:notesMasterIdLst>
   <p:sldIdLst>
-    <p:sldId id="256" r:id="rId2"/>
-    <p:sldId id="257" r:id="rId3"/>
-    <p:sldId id="258" r:id="rId4"/>
-    <p:sldId id="259" r:id="rId5"/>
-    <p:sldId id="260" r:id="rId6"/>
-    <p:sldId id="261" r:id="rId7"/>
-    <p:sldId id="262" r:id="rId8"/>
-    <p:sldId id="263" r:id="rId9"/>
-    <p:sldId id="264" r:id="rId10"/>
-    <p:sldId id="265" r:id="rId11"/>
-    <p:sldId id="266" r:id="rId12"/>
-    <p:sldId id="267" r:id="rId13"/>
-    <p:sldId id="268" r:id="rId14"/>
-    <p:sldId id="269" r:id="rId15"/>
-    <p:sldId id="270" r:id="rId16"/>
-    <p:sldId id="271" r:id="rId17"/>
-    <p:sldId id="272" r:id="rId18"/>
-    <p:sldId id="273" r:id="rId19"/>
-    <p:sldId id="274" r:id="rId20"/>
-    <p:sldId id="275" r:id="rId21"/>
-    <p:sldId id="276" r:id="rId22"/>
+    <p:sldId id="257" r:id="rId2"/>
+    <p:sldId id="258" r:id="rId3"/>
+    <p:sldId id="259" r:id="rId4"/>
+    <p:sldId id="260" r:id="rId5"/>
+    <p:sldId id="261" r:id="rId6"/>
+    <p:sldId id="262" r:id="rId7"/>
+    <p:sldId id="263" r:id="rId8"/>
+    <p:sldId id="264" r:id="rId9"/>
+    <p:sldId id="265" r:id="rId10"/>
+    <p:sldId id="266" r:id="rId11"/>
+    <p:sldId id="267" r:id="rId12"/>
+    <p:sldId id="268" r:id="rId13"/>
+    <p:sldId id="269" r:id="rId14"/>
+    <p:sldId id="270" r:id="rId15"/>
+    <p:sldId id="271" r:id="rId16"/>
+    <p:sldId id="272" r:id="rId17"/>
+    <p:sldId id="273" r:id="rId18"/>
+    <p:sldId id="274" r:id="rId19"/>
+    <p:sldId id="275" r:id="rId20"/>
+    <p:sldId id="276" r:id="rId21"/>
   </p:sldIdLst>
   <p:sldSz cx="9144000" cy="5143500" type="screen16x9"/>
   <p:notesSz cx="6858000" cy="9144000"/>
@@ -280,6 +279,444 @@
 </p:presentation>
 </file>
 
+<file path=ppt/changesInfos/changesInfo1.xml><?xml version="1.0" encoding="utf-8"?>
+<pc:chgInfo xmlns:a="http://schemas.openxmlformats.org/drawingml/2006/main" xmlns:r="http://schemas.openxmlformats.org/officeDocument/2006/relationships" xmlns:ac="http://schemas.microsoft.com/office/drawing/2013/main/command" xmlns:pc="http://schemas.microsoft.com/office/powerpoint/2013/main/command">
+  <pc:docChgLst>
+    <pc:chgData name="Dennis Lam" userId="b03a39e68183e059" providerId="LiveId" clId="{4576C606-28F4-4F2B-991B-93C8DA17BF16}"/>
+    <pc:docChg chg="undo redo custSel delSld modSld">
+      <pc:chgData name="Dennis Lam" userId="b03a39e68183e059" providerId="LiveId" clId="{4576C606-28F4-4F2B-991B-93C8DA17BF16}" dt="2021-11-19T04:52:28.085" v="658" actId="20577"/>
+      <pc:docMkLst>
+        <pc:docMk/>
+      </pc:docMkLst>
+      <pc:sldChg chg="del">
+        <pc:chgData name="Dennis Lam" userId="b03a39e68183e059" providerId="LiveId" clId="{4576C606-28F4-4F2B-991B-93C8DA17BF16}" dt="2021-11-19T04:49:39.508" v="360" actId="2696"/>
+        <pc:sldMkLst>
+          <pc:docMk/>
+          <pc:sldMk cId="0" sldId="256"/>
+        </pc:sldMkLst>
+      </pc:sldChg>
+      <pc:sldChg chg="addSp delSp modSp mod">
+        <pc:chgData name="Dennis Lam" userId="b03a39e68183e059" providerId="LiveId" clId="{4576C606-28F4-4F2B-991B-93C8DA17BF16}" dt="2021-11-19T03:11:14.533" v="36" actId="478"/>
+        <pc:sldMkLst>
+          <pc:docMk/>
+          <pc:sldMk cId="0" sldId="258"/>
+        </pc:sldMkLst>
+        <pc:spChg chg="add del mod">
+          <ac:chgData name="Dennis Lam" userId="b03a39e68183e059" providerId="LiveId" clId="{4576C606-28F4-4F2B-991B-93C8DA17BF16}" dt="2021-11-19T03:11:14.533" v="36" actId="478"/>
+          <ac:spMkLst>
+            <pc:docMk/>
+            <pc:sldMk cId="0" sldId="258"/>
+            <ac:spMk id="2" creationId="{FBEBC118-2F4B-4944-BEBB-30D45BA64129}"/>
+          </ac:spMkLst>
+        </pc:spChg>
+        <pc:spChg chg="add mod">
+          <ac:chgData name="Dennis Lam" userId="b03a39e68183e059" providerId="LiveId" clId="{4576C606-28F4-4F2B-991B-93C8DA17BF16}" dt="2021-11-19T03:10:57.214" v="32" actId="20577"/>
+          <ac:spMkLst>
+            <pc:docMk/>
+            <pc:sldMk cId="0" sldId="258"/>
+            <ac:spMk id="3" creationId="{180D744D-3093-4302-98AB-A827848C7ED2}"/>
+          </ac:spMkLst>
+        </pc:spChg>
+        <pc:spChg chg="mod">
+          <ac:chgData name="Dennis Lam" userId="b03a39e68183e059" providerId="LiveId" clId="{4576C606-28F4-4F2B-991B-93C8DA17BF16}" dt="2021-11-19T03:10:13.382" v="5" actId="20577"/>
+          <ac:spMkLst>
+            <pc:docMk/>
+            <pc:sldMk cId="0" sldId="258"/>
+            <ac:spMk id="68" creationId="{00000000-0000-0000-0000-000000000000}"/>
+          </ac:spMkLst>
+        </pc:spChg>
+        <pc:spChg chg="mod">
+          <ac:chgData name="Dennis Lam" userId="b03a39e68183e059" providerId="LiveId" clId="{4576C606-28F4-4F2B-991B-93C8DA17BF16}" dt="2021-11-19T03:10:34.788" v="16" actId="20577"/>
+          <ac:spMkLst>
+            <pc:docMk/>
+            <pc:sldMk cId="0" sldId="258"/>
+            <ac:spMk id="70" creationId="{00000000-0000-0000-0000-000000000000}"/>
+          </ac:spMkLst>
+        </pc:spChg>
+        <pc:spChg chg="mod">
+          <ac:chgData name="Dennis Lam" userId="b03a39e68183e059" providerId="LiveId" clId="{4576C606-28F4-4F2B-991B-93C8DA17BF16}" dt="2021-11-19T03:10:45.304" v="23" actId="20577"/>
+          <ac:spMkLst>
+            <pc:docMk/>
+            <pc:sldMk cId="0" sldId="258"/>
+            <ac:spMk id="71" creationId="{00000000-0000-0000-0000-000000000000}"/>
+          </ac:spMkLst>
+        </pc:spChg>
+        <pc:spChg chg="mod">
+          <ac:chgData name="Dennis Lam" userId="b03a39e68183e059" providerId="LiveId" clId="{4576C606-28F4-4F2B-991B-93C8DA17BF16}" dt="2021-11-19T03:10:51.098" v="27" actId="20577"/>
+          <ac:spMkLst>
+            <pc:docMk/>
+            <pc:sldMk cId="0" sldId="258"/>
+            <ac:spMk id="72" creationId="{00000000-0000-0000-0000-000000000000}"/>
+          </ac:spMkLst>
+        </pc:spChg>
+      </pc:sldChg>
+      <pc:sldChg chg="modSp mod">
+        <pc:chgData name="Dennis Lam" userId="b03a39e68183e059" providerId="LiveId" clId="{4576C606-28F4-4F2B-991B-93C8DA17BF16}" dt="2021-11-19T03:11:59.897" v="53" actId="20577"/>
+        <pc:sldMkLst>
+          <pc:docMk/>
+          <pc:sldMk cId="0" sldId="259"/>
+        </pc:sldMkLst>
+        <pc:spChg chg="mod">
+          <ac:chgData name="Dennis Lam" userId="b03a39e68183e059" providerId="LiveId" clId="{4576C606-28F4-4F2B-991B-93C8DA17BF16}" dt="2021-11-19T03:11:39.189" v="44" actId="20577"/>
+          <ac:spMkLst>
+            <pc:docMk/>
+            <pc:sldMk cId="0" sldId="259"/>
+            <ac:spMk id="77" creationId="{00000000-0000-0000-0000-000000000000}"/>
+          </ac:spMkLst>
+        </pc:spChg>
+        <pc:spChg chg="mod">
+          <ac:chgData name="Dennis Lam" userId="b03a39e68183e059" providerId="LiveId" clId="{4576C606-28F4-4F2B-991B-93C8DA17BF16}" dt="2021-11-19T03:11:50.125" v="48" actId="20577"/>
+          <ac:spMkLst>
+            <pc:docMk/>
+            <pc:sldMk cId="0" sldId="259"/>
+            <ac:spMk id="79" creationId="{00000000-0000-0000-0000-000000000000}"/>
+          </ac:spMkLst>
+        </pc:spChg>
+        <pc:spChg chg="mod">
+          <ac:chgData name="Dennis Lam" userId="b03a39e68183e059" providerId="LiveId" clId="{4576C606-28F4-4F2B-991B-93C8DA17BF16}" dt="2021-11-19T03:11:55.754" v="52" actId="20577"/>
+          <ac:spMkLst>
+            <pc:docMk/>
+            <pc:sldMk cId="0" sldId="259"/>
+            <ac:spMk id="80" creationId="{00000000-0000-0000-0000-000000000000}"/>
+          </ac:spMkLst>
+        </pc:spChg>
+        <pc:spChg chg="mod">
+          <ac:chgData name="Dennis Lam" userId="b03a39e68183e059" providerId="LiveId" clId="{4576C606-28F4-4F2B-991B-93C8DA17BF16}" dt="2021-11-19T03:11:59.897" v="53" actId="20577"/>
+          <ac:spMkLst>
+            <pc:docMk/>
+            <pc:sldMk cId="0" sldId="259"/>
+            <ac:spMk id="81" creationId="{00000000-0000-0000-0000-000000000000}"/>
+          </ac:spMkLst>
+        </pc:spChg>
+      </pc:sldChg>
+      <pc:sldChg chg="modSp mod">
+        <pc:chgData name="Dennis Lam" userId="b03a39e68183e059" providerId="LiveId" clId="{4576C606-28F4-4F2B-991B-93C8DA17BF16}" dt="2021-11-19T03:13:53.530" v="110" actId="20577"/>
+        <pc:sldMkLst>
+          <pc:docMk/>
+          <pc:sldMk cId="0" sldId="260"/>
+        </pc:sldMkLst>
+        <pc:spChg chg="mod">
+          <ac:chgData name="Dennis Lam" userId="b03a39e68183e059" providerId="LiveId" clId="{4576C606-28F4-4F2B-991B-93C8DA17BF16}" dt="2021-11-19T03:13:29.249" v="97" actId="368"/>
+          <ac:spMkLst>
+            <pc:docMk/>
+            <pc:sldMk cId="0" sldId="260"/>
+            <ac:spMk id="87" creationId="{00000000-0000-0000-0000-000000000000}"/>
+          </ac:spMkLst>
+        </pc:spChg>
+        <pc:spChg chg="mod">
+          <ac:chgData name="Dennis Lam" userId="b03a39e68183e059" providerId="LiveId" clId="{4576C606-28F4-4F2B-991B-93C8DA17BF16}" dt="2021-11-19T03:13:46.834" v="104" actId="20577"/>
+          <ac:spMkLst>
+            <pc:docMk/>
+            <pc:sldMk cId="0" sldId="260"/>
+            <ac:spMk id="88" creationId="{00000000-0000-0000-0000-000000000000}"/>
+          </ac:spMkLst>
+        </pc:spChg>
+        <pc:spChg chg="mod">
+          <ac:chgData name="Dennis Lam" userId="b03a39e68183e059" providerId="LiveId" clId="{4576C606-28F4-4F2B-991B-93C8DA17BF16}" dt="2021-11-19T03:13:53.530" v="110" actId="20577"/>
+          <ac:spMkLst>
+            <pc:docMk/>
+            <pc:sldMk cId="0" sldId="260"/>
+            <ac:spMk id="89" creationId="{00000000-0000-0000-0000-000000000000}"/>
+          </ac:spMkLst>
+        </pc:spChg>
+      </pc:sldChg>
+      <pc:sldChg chg="modSp mod modNotes">
+        <pc:chgData name="Dennis Lam" userId="b03a39e68183e059" providerId="LiveId" clId="{4576C606-28F4-4F2B-991B-93C8DA17BF16}" dt="2021-11-19T04:26:59.470" v="113" actId="14100"/>
+        <pc:sldMkLst>
+          <pc:docMk/>
+          <pc:sldMk cId="0" sldId="261"/>
+        </pc:sldMkLst>
+        <pc:picChg chg="mod">
+          <ac:chgData name="Dennis Lam" userId="b03a39e68183e059" providerId="LiveId" clId="{4576C606-28F4-4F2B-991B-93C8DA17BF16}" dt="2021-11-19T04:26:59.470" v="113" actId="14100"/>
+          <ac:picMkLst>
+            <pc:docMk/>
+            <pc:sldMk cId="0" sldId="261"/>
+            <ac:picMk id="96" creationId="{00000000-0000-0000-0000-000000000000}"/>
+          </ac:picMkLst>
+        </pc:picChg>
+      </pc:sldChg>
+      <pc:sldChg chg="modSp mod">
+        <pc:chgData name="Dennis Lam" userId="b03a39e68183e059" providerId="LiveId" clId="{4576C606-28F4-4F2B-991B-93C8DA17BF16}" dt="2021-11-19T04:28:57.468" v="122" actId="14826"/>
+        <pc:sldMkLst>
+          <pc:docMk/>
+          <pc:sldMk cId="0" sldId="262"/>
+        </pc:sldMkLst>
+        <pc:spChg chg="mod">
+          <ac:chgData name="Dennis Lam" userId="b03a39e68183e059" providerId="LiveId" clId="{4576C606-28F4-4F2B-991B-93C8DA17BF16}" dt="2021-11-19T04:27:54.241" v="115" actId="255"/>
+          <ac:spMkLst>
+            <pc:docMk/>
+            <pc:sldMk cId="0" sldId="262"/>
+            <ac:spMk id="102" creationId="{00000000-0000-0000-0000-000000000000}"/>
+          </ac:spMkLst>
+        </pc:spChg>
+        <pc:spChg chg="mod">
+          <ac:chgData name="Dennis Lam" userId="b03a39e68183e059" providerId="LiveId" clId="{4576C606-28F4-4F2B-991B-93C8DA17BF16}" dt="2021-11-19T04:28:21.103" v="121" actId="20577"/>
+          <ac:spMkLst>
+            <pc:docMk/>
+            <pc:sldMk cId="0" sldId="262"/>
+            <ac:spMk id="103" creationId="{00000000-0000-0000-0000-000000000000}"/>
+          </ac:spMkLst>
+        </pc:spChg>
+        <pc:picChg chg="mod">
+          <ac:chgData name="Dennis Lam" userId="b03a39e68183e059" providerId="LiveId" clId="{4576C606-28F4-4F2B-991B-93C8DA17BF16}" dt="2021-11-19T04:28:57.468" v="122" actId="14826"/>
+          <ac:picMkLst>
+            <pc:docMk/>
+            <pc:sldMk cId="0" sldId="262"/>
+            <ac:picMk id="104" creationId="{00000000-0000-0000-0000-000000000000}"/>
+          </ac:picMkLst>
+        </pc:picChg>
+      </pc:sldChg>
+      <pc:sldChg chg="modSp mod modNotes">
+        <pc:chgData name="Dennis Lam" userId="b03a39e68183e059" providerId="LiveId" clId="{4576C606-28F4-4F2B-991B-93C8DA17BF16}" dt="2021-11-19T04:30:16.810" v="128" actId="14100"/>
+        <pc:sldMkLst>
+          <pc:docMk/>
+          <pc:sldMk cId="0" sldId="264"/>
+        </pc:sldMkLst>
+        <pc:picChg chg="mod">
+          <ac:chgData name="Dennis Lam" userId="b03a39e68183e059" providerId="LiveId" clId="{4576C606-28F4-4F2B-991B-93C8DA17BF16}" dt="2021-11-19T04:30:16.810" v="128" actId="14100"/>
+          <ac:picMkLst>
+            <pc:docMk/>
+            <pc:sldMk cId="0" sldId="264"/>
+            <ac:picMk id="117" creationId="{00000000-0000-0000-0000-000000000000}"/>
+          </ac:picMkLst>
+        </pc:picChg>
+        <pc:picChg chg="mod">
+          <ac:chgData name="Dennis Lam" userId="b03a39e68183e059" providerId="LiveId" clId="{4576C606-28F4-4F2B-991B-93C8DA17BF16}" dt="2021-11-19T04:29:57.352" v="125" actId="14100"/>
+          <ac:picMkLst>
+            <pc:docMk/>
+            <pc:sldMk cId="0" sldId="264"/>
+            <ac:picMk id="119" creationId="{00000000-0000-0000-0000-000000000000}"/>
+          </ac:picMkLst>
+        </pc:picChg>
+      </pc:sldChg>
+      <pc:sldChg chg="modSp mod">
+        <pc:chgData name="Dennis Lam" userId="b03a39e68183e059" providerId="LiveId" clId="{4576C606-28F4-4F2B-991B-93C8DA17BF16}" dt="2021-11-19T04:33:38.267" v="133" actId="20577"/>
+        <pc:sldMkLst>
+          <pc:docMk/>
+          <pc:sldMk cId="0" sldId="265"/>
+        </pc:sldMkLst>
+        <pc:spChg chg="mod">
+          <ac:chgData name="Dennis Lam" userId="b03a39e68183e059" providerId="LiveId" clId="{4576C606-28F4-4F2B-991B-93C8DA17BF16}" dt="2021-11-19T04:31:22.516" v="129" actId="368"/>
+          <ac:spMkLst>
+            <pc:docMk/>
+            <pc:sldMk cId="0" sldId="265"/>
+            <ac:spMk id="126" creationId="{00000000-0000-0000-0000-000000000000}"/>
+          </ac:spMkLst>
+        </pc:spChg>
+        <pc:spChg chg="mod">
+          <ac:chgData name="Dennis Lam" userId="b03a39e68183e059" providerId="LiveId" clId="{4576C606-28F4-4F2B-991B-93C8DA17BF16}" dt="2021-11-19T04:33:38.267" v="133" actId="20577"/>
+          <ac:spMkLst>
+            <pc:docMk/>
+            <pc:sldMk cId="0" sldId="265"/>
+            <ac:spMk id="127" creationId="{00000000-0000-0000-0000-000000000000}"/>
+          </ac:spMkLst>
+        </pc:spChg>
+        <pc:spChg chg="mod">
+          <ac:chgData name="Dennis Lam" userId="b03a39e68183e059" providerId="LiveId" clId="{4576C606-28F4-4F2B-991B-93C8DA17BF16}" dt="2021-11-19T04:33:33.921" v="131" actId="20577"/>
+          <ac:spMkLst>
+            <pc:docMk/>
+            <pc:sldMk cId="0" sldId="265"/>
+            <ac:spMk id="128" creationId="{00000000-0000-0000-0000-000000000000}"/>
+          </ac:spMkLst>
+        </pc:spChg>
+      </pc:sldChg>
+      <pc:sldChg chg="modSp mod">
+        <pc:chgData name="Dennis Lam" userId="b03a39e68183e059" providerId="LiveId" clId="{4576C606-28F4-4F2B-991B-93C8DA17BF16}" dt="2021-11-19T04:37:16.018" v="165" actId="20577"/>
+        <pc:sldMkLst>
+          <pc:docMk/>
+          <pc:sldMk cId="0" sldId="266"/>
+        </pc:sldMkLst>
+        <pc:spChg chg="mod">
+          <ac:chgData name="Dennis Lam" userId="b03a39e68183e059" providerId="LiveId" clId="{4576C606-28F4-4F2B-991B-93C8DA17BF16}" dt="2021-11-19T04:36:29.718" v="151"/>
+          <ac:spMkLst>
+            <pc:docMk/>
+            <pc:sldMk cId="0" sldId="266"/>
+            <ac:spMk id="137" creationId="{00000000-0000-0000-0000-000000000000}"/>
+          </ac:spMkLst>
+        </pc:spChg>
+        <pc:spChg chg="mod">
+          <ac:chgData name="Dennis Lam" userId="b03a39e68183e059" providerId="LiveId" clId="{4576C606-28F4-4F2B-991B-93C8DA17BF16}" dt="2021-11-19T04:37:16.018" v="165" actId="20577"/>
+          <ac:spMkLst>
+            <pc:docMk/>
+            <pc:sldMk cId="0" sldId="266"/>
+            <ac:spMk id="138" creationId="{00000000-0000-0000-0000-000000000000}"/>
+          </ac:spMkLst>
+        </pc:spChg>
+        <pc:spChg chg="mod">
+          <ac:chgData name="Dennis Lam" userId="b03a39e68183e059" providerId="LiveId" clId="{4576C606-28F4-4F2B-991B-93C8DA17BF16}" dt="2021-11-19T04:36:42.553" v="159" actId="20577"/>
+          <ac:spMkLst>
+            <pc:docMk/>
+            <pc:sldMk cId="0" sldId="266"/>
+            <ac:spMk id="139" creationId="{00000000-0000-0000-0000-000000000000}"/>
+          </ac:spMkLst>
+        </pc:spChg>
+        <pc:spChg chg="mod">
+          <ac:chgData name="Dennis Lam" userId="b03a39e68183e059" providerId="LiveId" clId="{4576C606-28F4-4F2B-991B-93C8DA17BF16}" dt="2021-11-19T04:36:37.844" v="155" actId="20577"/>
+          <ac:spMkLst>
+            <pc:docMk/>
+            <pc:sldMk cId="0" sldId="266"/>
+            <ac:spMk id="140" creationId="{00000000-0000-0000-0000-000000000000}"/>
+          </ac:spMkLst>
+        </pc:spChg>
+      </pc:sldChg>
+      <pc:sldChg chg="modSp mod">
+        <pc:chgData name="Dennis Lam" userId="b03a39e68183e059" providerId="LiveId" clId="{4576C606-28F4-4F2B-991B-93C8DA17BF16}" dt="2021-11-19T04:40:51.640" v="176" actId="20577"/>
+        <pc:sldMkLst>
+          <pc:docMk/>
+          <pc:sldMk cId="0" sldId="268"/>
+        </pc:sldMkLst>
+        <pc:spChg chg="mod">
+          <ac:chgData name="Dennis Lam" userId="b03a39e68183e059" providerId="LiveId" clId="{4576C606-28F4-4F2B-991B-93C8DA17BF16}" dt="2021-11-19T04:40:51.640" v="176" actId="20577"/>
+          <ac:spMkLst>
+            <pc:docMk/>
+            <pc:sldMk cId="0" sldId="268"/>
+            <ac:spMk id="152" creationId="{00000000-0000-0000-0000-000000000000}"/>
+          </ac:spMkLst>
+        </pc:spChg>
+      </pc:sldChg>
+      <pc:sldChg chg="modSp mod">
+        <pc:chgData name="Dennis Lam" userId="b03a39e68183e059" providerId="LiveId" clId="{4576C606-28F4-4F2B-991B-93C8DA17BF16}" dt="2021-11-19T04:41:41.413" v="187"/>
+        <pc:sldMkLst>
+          <pc:docMk/>
+          <pc:sldMk cId="0" sldId="269"/>
+        </pc:sldMkLst>
+        <pc:spChg chg="mod">
+          <ac:chgData name="Dennis Lam" userId="b03a39e68183e059" providerId="LiveId" clId="{4576C606-28F4-4F2B-991B-93C8DA17BF16}" dt="2021-11-19T04:41:02.849" v="177" actId="368"/>
+          <ac:spMkLst>
+            <pc:docMk/>
+            <pc:sldMk cId="0" sldId="269"/>
+            <ac:spMk id="158" creationId="{00000000-0000-0000-0000-000000000000}"/>
+          </ac:spMkLst>
+        </pc:spChg>
+        <pc:spChg chg="mod">
+          <ac:chgData name="Dennis Lam" userId="b03a39e68183e059" providerId="LiveId" clId="{4576C606-28F4-4F2B-991B-93C8DA17BF16}" dt="2021-11-19T04:41:41.413" v="187"/>
+          <ac:spMkLst>
+            <pc:docMk/>
+            <pc:sldMk cId="0" sldId="269"/>
+            <ac:spMk id="159" creationId="{00000000-0000-0000-0000-000000000000}"/>
+          </ac:spMkLst>
+        </pc:spChg>
+        <pc:spChg chg="mod">
+          <ac:chgData name="Dennis Lam" userId="b03a39e68183e059" providerId="LiveId" clId="{4576C606-28F4-4F2B-991B-93C8DA17BF16}" dt="2021-11-19T04:41:24.745" v="182"/>
+          <ac:spMkLst>
+            <pc:docMk/>
+            <pc:sldMk cId="0" sldId="269"/>
+            <ac:spMk id="160" creationId="{00000000-0000-0000-0000-000000000000}"/>
+          </ac:spMkLst>
+        </pc:spChg>
+      </pc:sldChg>
+      <pc:sldChg chg="addSp delSp modSp mod">
+        <pc:chgData name="Dennis Lam" userId="b03a39e68183e059" providerId="LiveId" clId="{4576C606-28F4-4F2B-991B-93C8DA17BF16}" dt="2021-11-19T04:43:19.500" v="217" actId="20577"/>
+        <pc:sldMkLst>
+          <pc:docMk/>
+          <pc:sldMk cId="0" sldId="270"/>
+        </pc:sldMkLst>
+        <pc:spChg chg="add del mod">
+          <ac:chgData name="Dennis Lam" userId="b03a39e68183e059" providerId="LiveId" clId="{4576C606-28F4-4F2B-991B-93C8DA17BF16}" dt="2021-11-19T04:42:31.967" v="192" actId="478"/>
+          <ac:spMkLst>
+            <pc:docMk/>
+            <pc:sldMk cId="0" sldId="270"/>
+            <ac:spMk id="2" creationId="{570E8435-706E-476C-B159-BFA3F6C4ACC4}"/>
+          </ac:spMkLst>
+        </pc:spChg>
+        <pc:spChg chg="mod">
+          <ac:chgData name="Dennis Lam" userId="b03a39e68183e059" providerId="LiveId" clId="{4576C606-28F4-4F2B-991B-93C8DA17BF16}" dt="2021-11-19T04:42:04.811" v="188" actId="368"/>
+          <ac:spMkLst>
+            <pc:docMk/>
+            <pc:sldMk cId="0" sldId="270"/>
+            <ac:spMk id="166" creationId="{00000000-0000-0000-0000-000000000000}"/>
+          </ac:spMkLst>
+        </pc:spChg>
+        <pc:spChg chg="mod">
+          <ac:chgData name="Dennis Lam" userId="b03a39e68183e059" providerId="LiveId" clId="{4576C606-28F4-4F2B-991B-93C8DA17BF16}" dt="2021-11-19T04:42:37.144" v="197" actId="20577"/>
+          <ac:spMkLst>
+            <pc:docMk/>
+            <pc:sldMk cId="0" sldId="270"/>
+            <ac:spMk id="167" creationId="{00000000-0000-0000-0000-000000000000}"/>
+          </ac:spMkLst>
+        </pc:spChg>
+        <pc:spChg chg="mod">
+          <ac:chgData name="Dennis Lam" userId="b03a39e68183e059" providerId="LiveId" clId="{4576C606-28F4-4F2B-991B-93C8DA17BF16}" dt="2021-11-19T04:43:19.500" v="217" actId="20577"/>
+          <ac:spMkLst>
+            <pc:docMk/>
+            <pc:sldMk cId="0" sldId="270"/>
+            <ac:spMk id="168" creationId="{00000000-0000-0000-0000-000000000000}"/>
+          </ac:spMkLst>
+        </pc:spChg>
+        <pc:spChg chg="mod">
+          <ac:chgData name="Dennis Lam" userId="b03a39e68183e059" providerId="LiveId" clId="{4576C606-28F4-4F2B-991B-93C8DA17BF16}" dt="2021-11-19T04:42:47.461" v="201" actId="20577"/>
+          <ac:spMkLst>
+            <pc:docMk/>
+            <pc:sldMk cId="0" sldId="270"/>
+            <ac:spMk id="169" creationId="{00000000-0000-0000-0000-000000000000}"/>
+          </ac:spMkLst>
+        </pc:spChg>
+      </pc:sldChg>
+      <pc:sldChg chg="modSp mod">
+        <pc:chgData name="Dennis Lam" userId="b03a39e68183e059" providerId="LiveId" clId="{4576C606-28F4-4F2B-991B-93C8DA17BF16}" dt="2021-11-19T04:44:54.107" v="234"/>
+        <pc:sldMkLst>
+          <pc:docMk/>
+          <pc:sldMk cId="0" sldId="271"/>
+        </pc:sldMkLst>
+        <pc:spChg chg="mod">
+          <ac:chgData name="Dennis Lam" userId="b03a39e68183e059" providerId="LiveId" clId="{4576C606-28F4-4F2B-991B-93C8DA17BF16}" dt="2021-11-19T04:44:54.107" v="234"/>
+          <ac:spMkLst>
+            <pc:docMk/>
+            <pc:sldMk cId="0" sldId="271"/>
+            <ac:spMk id="177" creationId="{00000000-0000-0000-0000-000000000000}"/>
+          </ac:spMkLst>
+        </pc:spChg>
+      </pc:sldChg>
+      <pc:sldChg chg="modSp mod">
+        <pc:chgData name="Dennis Lam" userId="b03a39e68183e059" providerId="LiveId" clId="{4576C606-28F4-4F2B-991B-93C8DA17BF16}" dt="2021-11-19T04:46:20.235" v="295" actId="20577"/>
+        <pc:sldMkLst>
+          <pc:docMk/>
+          <pc:sldMk cId="0" sldId="273"/>
+        </pc:sldMkLst>
+        <pc:spChg chg="mod">
+          <ac:chgData name="Dennis Lam" userId="b03a39e68183e059" providerId="LiveId" clId="{4576C606-28F4-4F2B-991B-93C8DA17BF16}" dt="2021-11-19T04:46:20.235" v="295" actId="20577"/>
+          <ac:spMkLst>
+            <pc:docMk/>
+            <pc:sldMk cId="0" sldId="273"/>
+            <ac:spMk id="189" creationId="{00000000-0000-0000-0000-000000000000}"/>
+          </ac:spMkLst>
+        </pc:spChg>
+      </pc:sldChg>
+      <pc:sldChg chg="modSp mod modNotes">
+        <pc:chgData name="Dennis Lam" userId="b03a39e68183e059" providerId="LiveId" clId="{4576C606-28F4-4F2B-991B-93C8DA17BF16}" dt="2021-11-19T04:47:25.465" v="299" actId="14100"/>
+        <pc:sldMkLst>
+          <pc:docMk/>
+          <pc:sldMk cId="0" sldId="274"/>
+        </pc:sldMkLst>
+        <pc:picChg chg="mod">
+          <ac:chgData name="Dennis Lam" userId="b03a39e68183e059" providerId="LiveId" clId="{4576C606-28F4-4F2B-991B-93C8DA17BF16}" dt="2021-11-19T04:47:25.465" v="299" actId="14100"/>
+          <ac:picMkLst>
+            <pc:docMk/>
+            <pc:sldMk cId="0" sldId="274"/>
+            <ac:picMk id="196" creationId="{00000000-0000-0000-0000-000000000000}"/>
+          </ac:picMkLst>
+        </pc:picChg>
+      </pc:sldChg>
+      <pc:sldChg chg="modSp mod">
+        <pc:chgData name="Dennis Lam" userId="b03a39e68183e059" providerId="LiveId" clId="{4576C606-28F4-4F2B-991B-93C8DA17BF16}" dt="2021-11-19T04:52:28.085" v="658" actId="20577"/>
+        <pc:sldMkLst>
+          <pc:docMk/>
+          <pc:sldMk cId="0" sldId="276"/>
+        </pc:sldMkLst>
+        <pc:spChg chg="mod">
+          <ac:chgData name="Dennis Lam" userId="b03a39e68183e059" providerId="LiveId" clId="{4576C606-28F4-4F2B-991B-93C8DA17BF16}" dt="2021-11-19T04:52:28.085" v="658" actId="20577"/>
+          <ac:spMkLst>
+            <pc:docMk/>
+            <pc:sldMk cId="0" sldId="276"/>
+            <ac:spMk id="208" creationId="{00000000-0000-0000-0000-000000000000}"/>
+          </ac:spMkLst>
+        </pc:spChg>
+      </pc:sldChg>
+    </pc:docChg>
+  </pc:docChgLst>
+</pc:chgInfo>
+</file>
+
 <file path=ppt/notesMasters/notesMaster1.xml><?xml version="1.0" encoding="utf-8"?>
 <p:notesMaster xmlns:a="http://schemas.openxmlformats.org/drawingml/2006/main" xmlns:r="http://schemas.openxmlformats.org/officeDocument/2006/relationships" xmlns:p="http://schemas.openxmlformats.org/presentationml/2006/main">
   <p:cSld>
@@ -726,7 +1163,7 @@
   <p:cSld>
     <p:spTree>
       <p:nvGrpSpPr>
-        <p:cNvPr id="1" name="Shape 52"/>
+        <p:cNvPr id="1" name="Shape 58"/>
         <p:cNvGrpSpPr/>
         <p:nvPr/>
       </p:nvGrpSpPr>
@@ -740,7 +1177,7 @@
       </p:grpSpPr>
       <p:sp>
         <p:nvSpPr>
-          <p:cNvPr id="53" name="Google Shape;53;gf24172381d_0_0:notes"/>
+          <p:cNvPr id="59" name="Google Shape;59;p:notes"/>
           <p:cNvSpPr>
             <a:spLocks noGrp="1" noRot="1" noChangeAspect="1"/>
           </p:cNvSpPr>
@@ -751,7 +1188,7 @@
         <p:spPr>
           <a:xfrm>
             <a:off x="381300" y="685800"/>
-            <a:ext cx="6096000" cy="3429000"/>
+            <a:ext cx="6096075" cy="3429000"/>
           </a:xfrm>
           <a:custGeom>
             <a:avLst/>
@@ -781,7 +1218,7 @@
       </p:sp>
       <p:sp>
         <p:nvSpPr>
-          <p:cNvPr id="54" name="Google Shape;54;gf24172381d_0_0:notes"/>
+          <p:cNvPr id="60" name="Google Shape;60;p:notes"/>
           <p:cNvSpPr txBox="1">
             <a:spLocks noGrp="1"/>
           </p:cNvSpPr>
@@ -830,7 +1267,7 @@
   <p:cSld>
     <p:spTree>
       <p:nvGrpSpPr>
-        <p:cNvPr id="1" name="Shape 121"/>
+        <p:cNvPr id="1" name="Shape 129"/>
         <p:cNvGrpSpPr/>
         <p:nvPr/>
       </p:nvGrpSpPr>
@@ -844,7 +1281,7 @@
       </p:grpSpPr>
       <p:sp>
         <p:nvSpPr>
-          <p:cNvPr id="122" name="Google Shape;122;gf266468e8d_0_5:notes"/>
+          <p:cNvPr id="130" name="Google Shape;130;gf266468e8d_0_13:notes"/>
           <p:cNvSpPr>
             <a:spLocks noGrp="1" noRot="1" noChangeAspect="1"/>
           </p:cNvSpPr>
@@ -854,7 +1291,7 @@
         </p:nvSpPr>
         <p:spPr>
           <a:xfrm>
-            <a:off x="381300" y="685800"/>
+            <a:off x="381000" y="685800"/>
             <a:ext cx="6096000" cy="3429000"/>
           </a:xfrm>
           <a:custGeom>
@@ -885,7 +1322,7 @@
       </p:sp>
       <p:sp>
         <p:nvSpPr>
-          <p:cNvPr id="123" name="Google Shape;123;gf266468e8d_0_5:notes"/>
+          <p:cNvPr id="131" name="Google Shape;131;gf266468e8d_0_13:notes"/>
           <p:cNvSpPr txBox="1">
             <a:spLocks noGrp="1"/>
           </p:cNvSpPr>
@@ -934,7 +1371,7 @@
   <p:cSld>
     <p:spTree>
       <p:nvGrpSpPr>
-        <p:cNvPr id="1" name="Shape 129"/>
+        <p:cNvPr id="1" name="Shape 141"/>
         <p:cNvGrpSpPr/>
         <p:nvPr/>
       </p:nvGrpSpPr>
@@ -948,7 +1385,7 @@
       </p:grpSpPr>
       <p:sp>
         <p:nvSpPr>
-          <p:cNvPr id="130" name="Google Shape;130;gf266468e8d_0_13:notes"/>
+          <p:cNvPr id="142" name="Google Shape;142;gf2bc20c609_0_8:notes"/>
           <p:cNvSpPr>
             <a:spLocks noGrp="1" noRot="1" noChangeAspect="1"/>
           </p:cNvSpPr>
@@ -989,7 +1426,7 @@
       </p:sp>
       <p:sp>
         <p:nvSpPr>
-          <p:cNvPr id="131" name="Google Shape;131;gf266468e8d_0_13:notes"/>
+          <p:cNvPr id="143" name="Google Shape;143;gf2bc20c609_0_8:notes"/>
           <p:cNvSpPr txBox="1">
             <a:spLocks noGrp="1"/>
           </p:cNvSpPr>
@@ -1038,7 +1475,7 @@
   <p:cSld>
     <p:spTree>
       <p:nvGrpSpPr>
-        <p:cNvPr id="1" name="Shape 141"/>
+        <p:cNvPr id="1" name="Shape 146"/>
         <p:cNvGrpSpPr/>
         <p:nvPr/>
       </p:nvGrpSpPr>
@@ -1052,7 +1489,7 @@
       </p:grpSpPr>
       <p:sp>
         <p:nvSpPr>
-          <p:cNvPr id="142" name="Google Shape;142;gf2bc20c609_0_8:notes"/>
+          <p:cNvPr id="147" name="Google Shape;147;gf266468e8d_0_19:notes"/>
           <p:cNvSpPr>
             <a:spLocks noGrp="1" noRot="1" noChangeAspect="1"/>
           </p:cNvSpPr>
@@ -1062,7 +1499,7 @@
         </p:nvSpPr>
         <p:spPr>
           <a:xfrm>
-            <a:off x="381300" y="685800"/>
+            <a:off x="381000" y="685800"/>
             <a:ext cx="6096000" cy="3429000"/>
           </a:xfrm>
           <a:custGeom>
@@ -1093,7 +1530,7 @@
       </p:sp>
       <p:sp>
         <p:nvSpPr>
-          <p:cNvPr id="143" name="Google Shape;143;gf2bc20c609_0_8:notes"/>
+          <p:cNvPr id="148" name="Google Shape;148;gf266468e8d_0_19:notes"/>
           <p:cNvSpPr txBox="1">
             <a:spLocks noGrp="1"/>
           </p:cNvSpPr>
@@ -1142,7 +1579,7 @@
   <p:cSld>
     <p:spTree>
       <p:nvGrpSpPr>
-        <p:cNvPr id="1" name="Shape 146"/>
+        <p:cNvPr id="1" name="Shape 153"/>
         <p:cNvGrpSpPr/>
         <p:nvPr/>
       </p:nvGrpSpPr>
@@ -1156,7 +1593,7 @@
       </p:grpSpPr>
       <p:sp>
         <p:nvSpPr>
-          <p:cNvPr id="147" name="Google Shape;147;gf266468e8d_0_19:notes"/>
+          <p:cNvPr id="154" name="Google Shape;154;gcb4d64c7de_0_11:notes"/>
           <p:cNvSpPr>
             <a:spLocks noGrp="1" noRot="1" noChangeAspect="1"/>
           </p:cNvSpPr>
@@ -1166,7 +1603,7 @@
         </p:nvSpPr>
         <p:spPr>
           <a:xfrm>
-            <a:off x="381300" y="685800"/>
+            <a:off x="381000" y="685800"/>
             <a:ext cx="6096000" cy="3429000"/>
           </a:xfrm>
           <a:custGeom>
@@ -1197,7 +1634,7 @@
       </p:sp>
       <p:sp>
         <p:nvSpPr>
-          <p:cNvPr id="148" name="Google Shape;148;gf266468e8d_0_19:notes"/>
+          <p:cNvPr id="155" name="Google Shape;155;gcb4d64c7de_0_11:notes"/>
           <p:cNvSpPr txBox="1">
             <a:spLocks noGrp="1"/>
           </p:cNvSpPr>
@@ -1246,7 +1683,7 @@
   <p:cSld>
     <p:spTree>
       <p:nvGrpSpPr>
-        <p:cNvPr id="1" name="Shape 153"/>
+        <p:cNvPr id="1" name="Shape 161"/>
         <p:cNvGrpSpPr/>
         <p:nvPr/>
       </p:nvGrpSpPr>
@@ -1260,7 +1697,7 @@
       </p:grpSpPr>
       <p:sp>
         <p:nvSpPr>
-          <p:cNvPr id="154" name="Google Shape;154;gcb4d64c7de_0_11:notes"/>
+          <p:cNvPr id="162" name="Google Shape;162;gf2bc20c609_0_13:notes"/>
           <p:cNvSpPr>
             <a:spLocks noGrp="1" noRot="1" noChangeAspect="1"/>
           </p:cNvSpPr>
@@ -1270,7 +1707,7 @@
         </p:nvSpPr>
         <p:spPr>
           <a:xfrm>
-            <a:off x="381300" y="685800"/>
+            <a:off x="381000" y="685800"/>
             <a:ext cx="6096000" cy="3429000"/>
           </a:xfrm>
           <a:custGeom>
@@ -1301,7 +1738,7 @@
       </p:sp>
       <p:sp>
         <p:nvSpPr>
-          <p:cNvPr id="155" name="Google Shape;155;gcb4d64c7de_0_11:notes"/>
+          <p:cNvPr id="163" name="Google Shape;163;gf2bc20c609_0_13:notes"/>
           <p:cNvSpPr txBox="1">
             <a:spLocks noGrp="1"/>
           </p:cNvSpPr>
@@ -1350,7 +1787,7 @@
   <p:cSld>
     <p:spTree>
       <p:nvGrpSpPr>
-        <p:cNvPr id="1" name="Shape 161"/>
+        <p:cNvPr id="1" name="Shape 170"/>
         <p:cNvGrpSpPr/>
         <p:nvPr/>
       </p:nvGrpSpPr>
@@ -1364,7 +1801,7 @@
       </p:grpSpPr>
       <p:sp>
         <p:nvSpPr>
-          <p:cNvPr id="162" name="Google Shape;162;gf2bc20c609_0_13:notes"/>
+          <p:cNvPr id="171" name="Google Shape;171;gcb4d64c7de_0_29:notes"/>
           <p:cNvSpPr>
             <a:spLocks noGrp="1" noRot="1" noChangeAspect="1"/>
           </p:cNvSpPr>
@@ -1374,7 +1811,7 @@
         </p:nvSpPr>
         <p:spPr>
           <a:xfrm>
-            <a:off x="381300" y="685800"/>
+            <a:off x="381000" y="685800"/>
             <a:ext cx="6096000" cy="3429000"/>
           </a:xfrm>
           <a:custGeom>
@@ -1405,7 +1842,7 @@
       </p:sp>
       <p:sp>
         <p:nvSpPr>
-          <p:cNvPr id="163" name="Google Shape;163;gf2bc20c609_0_13:notes"/>
+          <p:cNvPr id="172" name="Google Shape;172;gcb4d64c7de_0_29:notes"/>
           <p:cNvSpPr txBox="1">
             <a:spLocks noGrp="1"/>
           </p:cNvSpPr>
@@ -1454,7 +1891,7 @@
   <p:cSld>
     <p:spTree>
       <p:nvGrpSpPr>
-        <p:cNvPr id="1" name="Shape 170"/>
+        <p:cNvPr id="1" name="Shape 178"/>
         <p:cNvGrpSpPr/>
         <p:nvPr/>
       </p:nvGrpSpPr>
@@ -1468,7 +1905,7 @@
       </p:grpSpPr>
       <p:sp>
         <p:nvSpPr>
-          <p:cNvPr id="171" name="Google Shape;171;gcb4d64c7de_0_29:notes"/>
+          <p:cNvPr id="179" name="Google Shape;179;gf2bc20c609_0_42:notes"/>
           <p:cNvSpPr>
             <a:spLocks noGrp="1" noRot="1" noChangeAspect="1"/>
           </p:cNvSpPr>
@@ -1509,7 +1946,7 @@
       </p:sp>
       <p:sp>
         <p:nvSpPr>
-          <p:cNvPr id="172" name="Google Shape;172;gcb4d64c7de_0_29:notes"/>
+          <p:cNvPr id="180" name="Google Shape;180;gf2bc20c609_0_42:notes"/>
           <p:cNvSpPr txBox="1">
             <a:spLocks noGrp="1"/>
           </p:cNvSpPr>
@@ -1558,7 +1995,7 @@
   <p:cSld>
     <p:spTree>
       <p:nvGrpSpPr>
-        <p:cNvPr id="1" name="Shape 178"/>
+        <p:cNvPr id="1" name="Shape 183"/>
         <p:cNvGrpSpPr/>
         <p:nvPr/>
       </p:nvGrpSpPr>
@@ -1572,7 +2009,7 @@
       </p:grpSpPr>
       <p:sp>
         <p:nvSpPr>
-          <p:cNvPr id="179" name="Google Shape;179;gf2bc20c609_0_42:notes"/>
+          <p:cNvPr id="184" name="Google Shape;184;gf2bc20c609_0_21:notes"/>
           <p:cNvSpPr>
             <a:spLocks noGrp="1" noRot="1" noChangeAspect="1"/>
           </p:cNvSpPr>
@@ -1582,7 +2019,7 @@
         </p:nvSpPr>
         <p:spPr>
           <a:xfrm>
-            <a:off x="381300" y="685800"/>
+            <a:off x="381000" y="685800"/>
             <a:ext cx="6096000" cy="3429000"/>
           </a:xfrm>
           <a:custGeom>
@@ -1613,7 +2050,7 @@
       </p:sp>
       <p:sp>
         <p:nvSpPr>
-          <p:cNvPr id="180" name="Google Shape;180;gf2bc20c609_0_42:notes"/>
+          <p:cNvPr id="185" name="Google Shape;185;gf2bc20c609_0_21:notes"/>
           <p:cNvSpPr txBox="1">
             <a:spLocks noGrp="1"/>
           </p:cNvSpPr>
@@ -1662,7 +2099,7 @@
   <p:cSld>
     <p:spTree>
       <p:nvGrpSpPr>
-        <p:cNvPr id="1" name="Shape 183"/>
+        <p:cNvPr id="1" name="Shape 190"/>
         <p:cNvGrpSpPr/>
         <p:nvPr/>
       </p:nvGrpSpPr>
@@ -1676,7 +2113,7 @@
       </p:grpSpPr>
       <p:sp>
         <p:nvSpPr>
-          <p:cNvPr id="184" name="Google Shape;184;gf2bc20c609_0_21:notes"/>
+          <p:cNvPr id="191" name="Google Shape;191;gf2bc20c609_0_27:notes"/>
           <p:cNvSpPr>
             <a:spLocks noGrp="1" noRot="1" noChangeAspect="1"/>
           </p:cNvSpPr>
@@ -1686,7 +2123,7 @@
         </p:nvSpPr>
         <p:spPr>
           <a:xfrm>
-            <a:off x="381300" y="685800"/>
+            <a:off x="381000" y="685800"/>
             <a:ext cx="6096000" cy="3429000"/>
           </a:xfrm>
           <a:custGeom>
@@ -1717,7 +2154,7 @@
       </p:sp>
       <p:sp>
         <p:nvSpPr>
-          <p:cNvPr id="185" name="Google Shape;185;gf2bc20c609_0_21:notes"/>
+          <p:cNvPr id="192" name="Google Shape;192;gf2bc20c609_0_27:notes"/>
           <p:cNvSpPr txBox="1">
             <a:spLocks noGrp="1"/>
           </p:cNvSpPr>
@@ -1766,7 +2203,7 @@
   <p:cSld>
     <p:spTree>
       <p:nvGrpSpPr>
-        <p:cNvPr id="1" name="Shape 190"/>
+        <p:cNvPr id="1" name="Shape 197"/>
         <p:cNvGrpSpPr/>
         <p:nvPr/>
       </p:nvGrpSpPr>
@@ -1780,7 +2217,7 @@
       </p:grpSpPr>
       <p:sp>
         <p:nvSpPr>
-          <p:cNvPr id="191" name="Google Shape;191;gf2bc20c609_0_27:notes"/>
+          <p:cNvPr id="198" name="Google Shape;198;gf2bc20c609_0_54:notes"/>
           <p:cNvSpPr>
             <a:spLocks noGrp="1" noRot="1" noChangeAspect="1"/>
           </p:cNvSpPr>
@@ -1821,7 +2258,7 @@
       </p:sp>
       <p:sp>
         <p:nvSpPr>
-          <p:cNvPr id="192" name="Google Shape;192;gf2bc20c609_0_27:notes"/>
+          <p:cNvPr id="199" name="Google Shape;199;gf2bc20c609_0_54:notes"/>
           <p:cNvSpPr txBox="1">
             <a:spLocks noGrp="1"/>
           </p:cNvSpPr>
@@ -1870,7 +2307,7 @@
   <p:cSld>
     <p:spTree>
       <p:nvGrpSpPr>
-        <p:cNvPr id="1" name="Shape 58"/>
+        <p:cNvPr id="1" name="Shape 64"/>
         <p:cNvGrpSpPr/>
         <p:nvPr/>
       </p:nvGrpSpPr>
@@ -1884,7 +2321,7 @@
       </p:grpSpPr>
       <p:sp>
         <p:nvSpPr>
-          <p:cNvPr id="59" name="Google Shape;59;p:notes"/>
+          <p:cNvPr id="65" name="Google Shape;65;gf24172381d_0_5:notes"/>
           <p:cNvSpPr>
             <a:spLocks noGrp="1" noRot="1" noChangeAspect="1"/>
           </p:cNvSpPr>
@@ -1894,8 +2331,8 @@
         </p:nvSpPr>
         <p:spPr>
           <a:xfrm>
-            <a:off x="381300" y="685800"/>
-            <a:ext cx="6096075" cy="3429000"/>
+            <a:off x="381000" y="685800"/>
+            <a:ext cx="6096000" cy="3429000"/>
           </a:xfrm>
           <a:custGeom>
             <a:avLst/>
@@ -1925,7 +2362,7 @@
       </p:sp>
       <p:sp>
         <p:nvSpPr>
-          <p:cNvPr id="60" name="Google Shape;60;p:notes"/>
+          <p:cNvPr id="66" name="Google Shape;66;gf24172381d_0_5:notes"/>
           <p:cNvSpPr txBox="1">
             <a:spLocks noGrp="1"/>
           </p:cNvSpPr>
@@ -1974,7 +2411,7 @@
   <p:cSld>
     <p:spTree>
       <p:nvGrpSpPr>
-        <p:cNvPr id="1" name="Shape 197"/>
+        <p:cNvPr id="1" name="Shape 202"/>
         <p:cNvGrpSpPr/>
         <p:nvPr/>
       </p:nvGrpSpPr>
@@ -1988,7 +2425,7 @@
       </p:grpSpPr>
       <p:sp>
         <p:nvSpPr>
-          <p:cNvPr id="198" name="Google Shape;198;gf2bc20c609_0_54:notes"/>
+          <p:cNvPr id="203" name="Google Shape;203;gf1a1597b1d_0_0:notes"/>
           <p:cNvSpPr>
             <a:spLocks noGrp="1" noRot="1" noChangeAspect="1"/>
           </p:cNvSpPr>
@@ -1998,7 +2435,7 @@
         </p:nvSpPr>
         <p:spPr>
           <a:xfrm>
-            <a:off x="381300" y="685800"/>
+            <a:off x="381000" y="685800"/>
             <a:ext cx="6096000" cy="3429000"/>
           </a:xfrm>
           <a:custGeom>
@@ -2029,7 +2466,7 @@
       </p:sp>
       <p:sp>
         <p:nvSpPr>
-          <p:cNvPr id="199" name="Google Shape;199;gf2bc20c609_0_54:notes"/>
+          <p:cNvPr id="204" name="Google Shape;204;gf1a1597b1d_0_0:notes"/>
           <p:cNvSpPr txBox="1">
             <a:spLocks noGrp="1"/>
           </p:cNvSpPr>
@@ -2073,12 +2510,12 @@
 </p:notes>
 </file>
 
-<file path=ppt/notesSlides/notesSlide21.xml><?xml version="1.0" encoding="utf-8"?>
+<file path=ppt/notesSlides/notesSlide3.xml><?xml version="1.0" encoding="utf-8"?>
 <p:notes xmlns:a="http://schemas.openxmlformats.org/drawingml/2006/main" xmlns:r="http://schemas.openxmlformats.org/officeDocument/2006/relationships" xmlns:p="http://schemas.openxmlformats.org/presentationml/2006/main" showMasterSp="0" showMasterPhAnim="0">
   <p:cSld>
     <p:spTree>
       <p:nvGrpSpPr>
-        <p:cNvPr id="1" name="Shape 202"/>
+        <p:cNvPr id="1" name="Shape 73"/>
         <p:cNvGrpSpPr/>
         <p:nvPr/>
       </p:nvGrpSpPr>
@@ -2092,7 +2529,7 @@
       </p:grpSpPr>
       <p:sp>
         <p:nvSpPr>
-          <p:cNvPr id="203" name="Google Shape;203;gf1a1597b1d_0_0:notes"/>
+          <p:cNvPr id="74" name="Google Shape;74;gf903b244ee_0_0:notes"/>
           <p:cNvSpPr>
             <a:spLocks noGrp="1" noRot="1" noChangeAspect="1"/>
           </p:cNvSpPr>
@@ -2102,7 +2539,7 @@
         </p:nvSpPr>
         <p:spPr>
           <a:xfrm>
-            <a:off x="381300" y="685800"/>
+            <a:off x="381000" y="685800"/>
             <a:ext cx="6096000" cy="3429000"/>
           </a:xfrm>
           <a:custGeom>
@@ -2133,7 +2570,7 @@
       </p:sp>
       <p:sp>
         <p:nvSpPr>
-          <p:cNvPr id="204" name="Google Shape;204;gf1a1597b1d_0_0:notes"/>
+          <p:cNvPr id="75" name="Google Shape;75;gf903b244ee_0_0:notes"/>
           <p:cNvSpPr txBox="1">
             <a:spLocks noGrp="1"/>
           </p:cNvSpPr>
@@ -2177,12 +2614,12 @@
 </p:notes>
 </file>
 
-<file path=ppt/notesSlides/notesSlide3.xml><?xml version="1.0" encoding="utf-8"?>
+<file path=ppt/notesSlides/notesSlide4.xml><?xml version="1.0" encoding="utf-8"?>
 <p:notes xmlns:a="http://schemas.openxmlformats.org/drawingml/2006/main" xmlns:r="http://schemas.openxmlformats.org/officeDocument/2006/relationships" xmlns:p="http://schemas.openxmlformats.org/presentationml/2006/main" showMasterSp="0" showMasterPhAnim="0">
   <p:cSld>
     <p:spTree>
       <p:nvGrpSpPr>
-        <p:cNvPr id="1" name="Shape 64"/>
+        <p:cNvPr id="1" name="Shape 82"/>
         <p:cNvGrpSpPr/>
         <p:nvPr/>
       </p:nvGrpSpPr>
@@ -2196,7 +2633,7 @@
       </p:grpSpPr>
       <p:sp>
         <p:nvSpPr>
-          <p:cNvPr id="65" name="Google Shape;65;gf24172381d_0_5:notes"/>
+          <p:cNvPr id="83" name="Google Shape;83;gf24172381d_0_13:notes"/>
           <p:cNvSpPr>
             <a:spLocks noGrp="1" noRot="1" noChangeAspect="1"/>
           </p:cNvSpPr>
@@ -2206,7 +2643,7 @@
         </p:nvSpPr>
         <p:spPr>
           <a:xfrm>
-            <a:off x="381300" y="685800"/>
+            <a:off x="381000" y="685800"/>
             <a:ext cx="6096000" cy="3429000"/>
           </a:xfrm>
           <a:custGeom>
@@ -2237,7 +2674,7 @@
       </p:sp>
       <p:sp>
         <p:nvSpPr>
-          <p:cNvPr id="66" name="Google Shape;66;gf24172381d_0_5:notes"/>
+          <p:cNvPr id="84" name="Google Shape;84;gf24172381d_0_13:notes"/>
           <p:cNvSpPr txBox="1">
             <a:spLocks noGrp="1"/>
           </p:cNvSpPr>
@@ -2281,12 +2718,12 @@
 </p:notes>
 </file>
 
-<file path=ppt/notesSlides/notesSlide4.xml><?xml version="1.0" encoding="utf-8"?>
+<file path=ppt/notesSlides/notesSlide5.xml><?xml version="1.0" encoding="utf-8"?>
 <p:notes xmlns:a="http://schemas.openxmlformats.org/drawingml/2006/main" xmlns:r="http://schemas.openxmlformats.org/officeDocument/2006/relationships" xmlns:p="http://schemas.openxmlformats.org/presentationml/2006/main" showMasterSp="0" showMasterPhAnim="0">
   <p:cSld>
     <p:spTree>
       <p:nvGrpSpPr>
-        <p:cNvPr id="1" name="Shape 73"/>
+        <p:cNvPr id="1" name="Shape 90"/>
         <p:cNvGrpSpPr/>
         <p:nvPr/>
       </p:nvGrpSpPr>
@@ -2300,7 +2737,7 @@
       </p:grpSpPr>
       <p:sp>
         <p:nvSpPr>
-          <p:cNvPr id="74" name="Google Shape;74;gf903b244ee_0_0:notes"/>
+          <p:cNvPr id="91" name="Google Shape;91;gf24172381d_0_21:notes"/>
           <p:cNvSpPr>
             <a:spLocks noGrp="1" noRot="1" noChangeAspect="1"/>
           </p:cNvSpPr>
@@ -2310,7 +2747,7 @@
         </p:nvSpPr>
         <p:spPr>
           <a:xfrm>
-            <a:off x="381300" y="685800"/>
+            <a:off x="381000" y="685800"/>
             <a:ext cx="6096000" cy="3429000"/>
           </a:xfrm>
           <a:custGeom>
@@ -2341,7 +2778,7 @@
       </p:sp>
       <p:sp>
         <p:nvSpPr>
-          <p:cNvPr id="75" name="Google Shape;75;gf903b244ee_0_0:notes"/>
+          <p:cNvPr id="92" name="Google Shape;92;gf24172381d_0_21:notes"/>
           <p:cNvSpPr txBox="1">
             <a:spLocks noGrp="1"/>
           </p:cNvSpPr>
@@ -2385,12 +2822,12 @@
 </p:notes>
 </file>
 
-<file path=ppt/notesSlides/notesSlide5.xml><?xml version="1.0" encoding="utf-8"?>
+<file path=ppt/notesSlides/notesSlide6.xml><?xml version="1.0" encoding="utf-8"?>
 <p:notes xmlns:a="http://schemas.openxmlformats.org/drawingml/2006/main" xmlns:r="http://schemas.openxmlformats.org/officeDocument/2006/relationships" xmlns:p="http://schemas.openxmlformats.org/presentationml/2006/main" showMasterSp="0" showMasterPhAnim="0">
   <p:cSld>
     <p:spTree>
       <p:nvGrpSpPr>
-        <p:cNvPr id="1" name="Shape 82"/>
+        <p:cNvPr id="1" name="Shape 97"/>
         <p:cNvGrpSpPr/>
         <p:nvPr/>
       </p:nvGrpSpPr>
@@ -2404,7 +2841,7 @@
       </p:grpSpPr>
       <p:sp>
         <p:nvSpPr>
-          <p:cNvPr id="83" name="Google Shape;83;gf24172381d_0_13:notes"/>
+          <p:cNvPr id="98" name="Google Shape;98;gf903b244ee_0_9:notes"/>
           <p:cNvSpPr>
             <a:spLocks noGrp="1" noRot="1" noChangeAspect="1"/>
           </p:cNvSpPr>
@@ -2414,7 +2851,7 @@
         </p:nvSpPr>
         <p:spPr>
           <a:xfrm>
-            <a:off x="381300" y="685800"/>
+            <a:off x="381000" y="685800"/>
             <a:ext cx="6096000" cy="3429000"/>
           </a:xfrm>
           <a:custGeom>
@@ -2445,7 +2882,7 @@
       </p:sp>
       <p:sp>
         <p:nvSpPr>
-          <p:cNvPr id="84" name="Google Shape;84;gf24172381d_0_13:notes"/>
+          <p:cNvPr id="99" name="Google Shape;99;gf903b244ee_0_9:notes"/>
           <p:cNvSpPr txBox="1">
             <a:spLocks noGrp="1"/>
           </p:cNvSpPr>
@@ -2489,12 +2926,12 @@
 </p:notes>
 </file>
 
-<file path=ppt/notesSlides/notesSlide6.xml><?xml version="1.0" encoding="utf-8"?>
+<file path=ppt/notesSlides/notesSlide7.xml><?xml version="1.0" encoding="utf-8"?>
 <p:notes xmlns:a="http://schemas.openxmlformats.org/drawingml/2006/main" xmlns:r="http://schemas.openxmlformats.org/officeDocument/2006/relationships" xmlns:p="http://schemas.openxmlformats.org/presentationml/2006/main" showMasterSp="0" showMasterPhAnim="0">
   <p:cSld>
     <p:spTree>
       <p:nvGrpSpPr>
-        <p:cNvPr id="1" name="Shape 90"/>
+        <p:cNvPr id="1" name="Shape 106"/>
         <p:cNvGrpSpPr/>
         <p:nvPr/>
       </p:nvGrpSpPr>
@@ -2508,7 +2945,7 @@
       </p:grpSpPr>
       <p:sp>
         <p:nvSpPr>
-          <p:cNvPr id="91" name="Google Shape;91;gf24172381d_0_21:notes"/>
+          <p:cNvPr id="107" name="Google Shape;107;gf266468e8d_0_0:notes"/>
           <p:cNvSpPr>
             <a:spLocks noGrp="1" noRot="1" noChangeAspect="1"/>
           </p:cNvSpPr>
@@ -2549,7 +2986,7 @@
       </p:sp>
       <p:sp>
         <p:nvSpPr>
-          <p:cNvPr id="92" name="Google Shape;92;gf24172381d_0_21:notes"/>
+          <p:cNvPr id="108" name="Google Shape;108;gf266468e8d_0_0:notes"/>
           <p:cNvSpPr txBox="1">
             <a:spLocks noGrp="1"/>
           </p:cNvSpPr>
@@ -2593,12 +3030,12 @@
 </p:notes>
 </file>
 
-<file path=ppt/notesSlides/notesSlide7.xml><?xml version="1.0" encoding="utf-8"?>
+<file path=ppt/notesSlides/notesSlide8.xml><?xml version="1.0" encoding="utf-8"?>
 <p:notes xmlns:a="http://schemas.openxmlformats.org/drawingml/2006/main" xmlns:r="http://schemas.openxmlformats.org/officeDocument/2006/relationships" xmlns:p="http://schemas.openxmlformats.org/presentationml/2006/main" showMasterSp="0" showMasterPhAnim="0">
   <p:cSld>
     <p:spTree>
       <p:nvGrpSpPr>
-        <p:cNvPr id="1" name="Shape 97"/>
+        <p:cNvPr id="1" name="Shape 111"/>
         <p:cNvGrpSpPr/>
         <p:nvPr/>
       </p:nvGrpSpPr>
@@ -2612,7 +3049,7 @@
       </p:grpSpPr>
       <p:sp>
         <p:nvSpPr>
-          <p:cNvPr id="98" name="Google Shape;98;gf903b244ee_0_9:notes"/>
+          <p:cNvPr id="112" name="Google Shape;112;gcb4d64c7de_0_0:notes"/>
           <p:cNvSpPr>
             <a:spLocks noGrp="1" noRot="1" noChangeAspect="1"/>
           </p:cNvSpPr>
@@ -2622,7 +3059,7 @@
         </p:nvSpPr>
         <p:spPr>
           <a:xfrm>
-            <a:off x="381300" y="685800"/>
+            <a:off x="381000" y="685800"/>
             <a:ext cx="6096000" cy="3429000"/>
           </a:xfrm>
           <a:custGeom>
@@ -2653,7 +3090,7 @@
       </p:sp>
       <p:sp>
         <p:nvSpPr>
-          <p:cNvPr id="99" name="Google Shape;99;gf903b244ee_0_9:notes"/>
+          <p:cNvPr id="113" name="Google Shape;113;gcb4d64c7de_0_0:notes"/>
           <p:cNvSpPr txBox="1">
             <a:spLocks noGrp="1"/>
           </p:cNvSpPr>
@@ -2697,12 +3134,12 @@
 </p:notes>
 </file>
 
-<file path=ppt/notesSlides/notesSlide8.xml><?xml version="1.0" encoding="utf-8"?>
+<file path=ppt/notesSlides/notesSlide9.xml><?xml version="1.0" encoding="utf-8"?>
 <p:notes xmlns:a="http://schemas.openxmlformats.org/drawingml/2006/main" xmlns:r="http://schemas.openxmlformats.org/officeDocument/2006/relationships" xmlns:p="http://schemas.openxmlformats.org/presentationml/2006/main" showMasterSp="0" showMasterPhAnim="0">
   <p:cSld>
     <p:spTree>
       <p:nvGrpSpPr>
-        <p:cNvPr id="1" name="Shape 106"/>
+        <p:cNvPr id="1" name="Shape 121"/>
         <p:cNvGrpSpPr/>
         <p:nvPr/>
       </p:nvGrpSpPr>
@@ -2716,7 +3153,7 @@
       </p:grpSpPr>
       <p:sp>
         <p:nvSpPr>
-          <p:cNvPr id="107" name="Google Shape;107;gf266468e8d_0_0:notes"/>
+          <p:cNvPr id="122" name="Google Shape;122;gf266468e8d_0_5:notes"/>
           <p:cNvSpPr>
             <a:spLocks noGrp="1" noRot="1" noChangeAspect="1"/>
           </p:cNvSpPr>
@@ -2726,7 +3163,7 @@
         </p:nvSpPr>
         <p:spPr>
           <a:xfrm>
-            <a:off x="381300" y="685800"/>
+            <a:off x="381000" y="685800"/>
             <a:ext cx="6096000" cy="3429000"/>
           </a:xfrm>
           <a:custGeom>
@@ -2757,111 +3194,7 @@
       </p:sp>
       <p:sp>
         <p:nvSpPr>
-          <p:cNvPr id="108" name="Google Shape;108;gf266468e8d_0_0:notes"/>
-          <p:cNvSpPr txBox="1">
-            <a:spLocks noGrp="1"/>
-          </p:cNvSpPr>
-          <p:nvPr>
-            <p:ph type="body" idx="1"/>
-          </p:nvPr>
-        </p:nvSpPr>
-        <p:spPr>
-          <a:xfrm>
-            <a:off x="685800" y="4343400"/>
-            <a:ext cx="5486400" cy="4114800"/>
-          </a:xfrm>
-          <a:prstGeom prst="rect">
-            <a:avLst/>
-          </a:prstGeom>
-        </p:spPr>
-        <p:txBody>
-          <a:bodyPr spcFirstLastPara="1" wrap="square" lIns="91425" tIns="91425" rIns="91425" bIns="91425" anchor="t" anchorCtr="0">
-            <a:noAutofit/>
-          </a:bodyPr>
-          <a:lstStyle/>
-          <a:p>
-            <a:pPr marL="0" lvl="0" indent="0" algn="l" rtl="0">
-              <a:spcBef>
-                <a:spcPts val="0"/>
-              </a:spcBef>
-              <a:spcAft>
-                <a:spcPts val="0"/>
-              </a:spcAft>
-              <a:buNone/>
-            </a:pPr>
-            <a:endParaRPr/>
-          </a:p>
-        </p:txBody>
-      </p:sp>
-    </p:spTree>
-  </p:cSld>
-  <p:clrMapOvr>
-    <a:masterClrMapping/>
-  </p:clrMapOvr>
-</p:notes>
-</file>
-
-<file path=ppt/notesSlides/notesSlide9.xml><?xml version="1.0" encoding="utf-8"?>
-<p:notes xmlns:a="http://schemas.openxmlformats.org/drawingml/2006/main" xmlns:r="http://schemas.openxmlformats.org/officeDocument/2006/relationships" xmlns:p="http://schemas.openxmlformats.org/presentationml/2006/main" showMasterSp="0" showMasterPhAnim="0">
-  <p:cSld>
-    <p:spTree>
-      <p:nvGrpSpPr>
-        <p:cNvPr id="1" name="Shape 111"/>
-        <p:cNvGrpSpPr/>
-        <p:nvPr/>
-      </p:nvGrpSpPr>
-      <p:grpSpPr>
-        <a:xfrm>
-          <a:off x="0" y="0"/>
-          <a:ext cx="0" cy="0"/>
-          <a:chOff x="0" y="0"/>
-          <a:chExt cx="0" cy="0"/>
-        </a:xfrm>
-      </p:grpSpPr>
-      <p:sp>
-        <p:nvSpPr>
-          <p:cNvPr id="112" name="Google Shape;112;gcb4d64c7de_0_0:notes"/>
-          <p:cNvSpPr>
-            <a:spLocks noGrp="1" noRot="1" noChangeAspect="1"/>
-          </p:cNvSpPr>
-          <p:nvPr>
-            <p:ph type="sldImg" idx="2"/>
-          </p:nvPr>
-        </p:nvSpPr>
-        <p:spPr>
-          <a:xfrm>
-            <a:off x="381300" y="685800"/>
-            <a:ext cx="6096000" cy="3429000"/>
-          </a:xfrm>
-          <a:custGeom>
-            <a:avLst/>
-            <a:gdLst/>
-            <a:ahLst/>
-            <a:cxnLst/>
-            <a:rect l="l" t="t" r="r" b="b"/>
-            <a:pathLst>
-              <a:path w="120000" h="120000" extrusionOk="0">
-                <a:moveTo>
-                  <a:pt x="0" y="0"/>
-                </a:moveTo>
-                <a:lnTo>
-                  <a:pt x="120000" y="0"/>
-                </a:lnTo>
-                <a:lnTo>
-                  <a:pt x="120000" y="120000"/>
-                </a:lnTo>
-                <a:lnTo>
-                  <a:pt x="0" y="120000"/>
-                </a:lnTo>
-                <a:close/>
-              </a:path>
-            </a:pathLst>
-          </a:custGeom>
-        </p:spPr>
-      </p:sp>
-      <p:sp>
-        <p:nvSpPr>
-          <p:cNvPr id="113" name="Google Shape;113;gcb4d64c7de_0_0:notes"/>
+          <p:cNvPr id="123" name="Google Shape;123;gf266468e8d_0_5:notes"/>
           <p:cNvSpPr txBox="1">
             <a:spLocks noGrp="1"/>
           </p:cNvSpPr>
@@ -8006,7 +8339,7 @@
   <p:cSld>
     <p:spTree>
       <p:nvGrpSpPr>
-        <p:cNvPr id="1" name="Shape 55"/>
+        <p:cNvPr id="1" name="Shape 61"/>
         <p:cNvGrpSpPr/>
         <p:nvPr/>
       </p:nvGrpSpPr>
@@ -8020,30 +8353,30 @@
       </p:grpSpPr>
       <p:sp>
         <p:nvSpPr>
-          <p:cNvPr id="56" name="Google Shape;56;p13"/>
+          <p:cNvPr id="62" name="Google Shape;62;p14"/>
           <p:cNvSpPr txBox="1">
             <a:spLocks noGrp="1"/>
           </p:cNvSpPr>
           <p:nvPr>
-            <p:ph type="title"/>
+            <p:ph type="ctrTitle"/>
           </p:nvPr>
         </p:nvSpPr>
         <p:spPr>
           <a:xfrm>
-            <a:off x="311700" y="445025"/>
-            <a:ext cx="8520600" cy="572700"/>
+            <a:off x="311708" y="744575"/>
+            <a:ext cx="8520600" cy="2052600"/>
           </a:xfrm>
           <a:prstGeom prst="rect">
             <a:avLst/>
           </a:prstGeom>
         </p:spPr>
         <p:txBody>
-          <a:bodyPr spcFirstLastPara="1" wrap="square" lIns="91425" tIns="91425" rIns="91425" bIns="91425" anchor="t" anchorCtr="0">
-            <a:normAutofit fontScale="90000"/>
+          <a:bodyPr spcFirstLastPara="1" wrap="square" lIns="91425" tIns="91425" rIns="91425" bIns="91425" anchor="b" anchorCtr="0">
+            <a:normAutofit/>
           </a:bodyPr>
           <a:lstStyle/>
           <a:p>
-            <a:pPr marL="0" lvl="0" indent="0" algn="l" rtl="0">
+            <a:pPr marL="0" lvl="0" indent="0" algn="ctr" rtl="0">
               <a:spcBef>
                 <a:spcPts val="0"/>
               </a:spcBef>
@@ -8054,7 +8387,7 @@
             </a:pPr>
             <a:r>
               <a:rPr lang="en"/>
-              <a:t>Reminders...	</a:t>
+              <a:t>Course 3 Capstone</a:t>
             </a:r>
             <a:endParaRPr/>
           </a:p>
@@ -8062,18 +8395,18 @@
       </p:sp>
       <p:sp>
         <p:nvSpPr>
-          <p:cNvPr id="57" name="Google Shape;57;p13"/>
+          <p:cNvPr id="63" name="Google Shape;63;p14"/>
           <p:cNvSpPr txBox="1">
             <a:spLocks noGrp="1"/>
           </p:cNvSpPr>
           <p:nvPr>
-            <p:ph type="body" idx="1"/>
+            <p:ph type="subTitle" idx="1"/>
           </p:nvPr>
         </p:nvSpPr>
         <p:spPr>
           <a:xfrm>
-            <a:off x="311700" y="1152475"/>
-            <a:ext cx="8520600" cy="3416400"/>
+            <a:off x="311700" y="2834125"/>
+            <a:ext cx="8520600" cy="792600"/>
           </a:xfrm>
           <a:prstGeom prst="rect">
             <a:avLst/>
@@ -8081,239 +8414,24 @@
         </p:spPr>
         <p:txBody>
           <a:bodyPr spcFirstLastPara="1" wrap="square" lIns="91425" tIns="91425" rIns="91425" bIns="91425" anchor="t" anchorCtr="0">
-            <a:normAutofit fontScale="92500" lnSpcReduction="10000"/>
+            <a:normAutofit/>
           </a:bodyPr>
           <a:lstStyle/>
           <a:p>
-            <a:pPr marL="457200" lvl="0" indent="-334327" algn="l" rtl="0">
-              <a:spcBef>
-                <a:spcPts val="0"/>
-              </a:spcBef>
-              <a:spcAft>
-                <a:spcPts val="0"/>
-              </a:spcAft>
-              <a:buSzPct val="100000"/>
-              <a:buChar char="●"/>
+            <a:pPr marL="0" lvl="0" indent="0" algn="ctr" rtl="0">
+              <a:spcBef>
+                <a:spcPts val="0"/>
+              </a:spcBef>
+              <a:spcAft>
+                <a:spcPts val="0"/>
+              </a:spcAft>
+              <a:buNone/>
             </a:pPr>
             <a:r>
               <a:rPr lang="en"/>
-              <a:t>You’ll use </a:t>
-            </a:r>
-            <a:r>
-              <a:rPr lang="en" b="1"/>
-              <a:t>this file</a:t>
-            </a:r>
-            <a:r>
-              <a:rPr lang="en"/>
-              <a:t> for the entirety of this course. Save it in a place where you can easily access it over the upcoming weeks.</a:t>
+              <a:t>Data Collection</a:t>
             </a:r>
             <a:endParaRPr/>
-          </a:p>
-          <a:p>
-            <a:pPr marL="914400" lvl="1" indent="-310832" algn="l" rtl="0">
-              <a:spcBef>
-                <a:spcPts val="0"/>
-              </a:spcBef>
-              <a:spcAft>
-                <a:spcPts val="0"/>
-              </a:spcAft>
-              <a:buSzPct val="100000"/>
-              <a:buChar char="○"/>
-            </a:pPr>
-            <a:r>
-              <a:rPr lang="en"/>
-              <a:t>You can edit and save this document in Google Drive</a:t>
-            </a:r>
-            <a:endParaRPr/>
-          </a:p>
-          <a:p>
-            <a:pPr marL="914400" lvl="1" indent="-310832" algn="l" rtl="0">
-              <a:spcBef>
-                <a:spcPts val="0"/>
-              </a:spcBef>
-              <a:spcAft>
-                <a:spcPts val="0"/>
-              </a:spcAft>
-              <a:buSzPct val="100000"/>
-              <a:buChar char="○"/>
-            </a:pPr>
-            <a:r>
-              <a:rPr lang="en"/>
-              <a:t>If you download this document, keep it in a place you can find it later</a:t>
-            </a:r>
-            <a:endParaRPr/>
-          </a:p>
-          <a:p>
-            <a:pPr marL="457200" lvl="0" indent="-334327" algn="l" rtl="0">
-              <a:spcBef>
-                <a:spcPts val="0"/>
-              </a:spcBef>
-              <a:spcAft>
-                <a:spcPts val="0"/>
-              </a:spcAft>
-              <a:buSzPct val="100000"/>
-              <a:buChar char="●"/>
-            </a:pPr>
-            <a:r>
-              <a:rPr lang="en"/>
-              <a:t>The content you put into this document will be used for later lessons</a:t>
-            </a:r>
-            <a:endParaRPr/>
-          </a:p>
-          <a:p>
-            <a:pPr marL="914400" lvl="1" indent="-310832" algn="l" rtl="0">
-              <a:spcBef>
-                <a:spcPts val="0"/>
-              </a:spcBef>
-              <a:spcAft>
-                <a:spcPts val="0"/>
-              </a:spcAft>
-              <a:buSzPct val="100000"/>
-              <a:buChar char="○"/>
-            </a:pPr>
-            <a:r>
-              <a:rPr lang="en"/>
-              <a:t>It is recommended that you do not skip any capstone readings in any of the lessons</a:t>
-            </a:r>
-            <a:endParaRPr/>
-          </a:p>
-          <a:p>
-            <a:pPr marL="914400" lvl="1" indent="-310832" algn="l" rtl="0">
-              <a:spcBef>
-                <a:spcPts val="0"/>
-              </a:spcBef>
-              <a:spcAft>
-                <a:spcPts val="0"/>
-              </a:spcAft>
-              <a:buSzPct val="100000"/>
-              <a:buChar char="○"/>
-            </a:pPr>
-            <a:r>
-              <a:rPr lang="en"/>
-              <a:t>It is recommended that you start you complete update this document after every week of content and start with week 1</a:t>
-            </a:r>
-            <a:endParaRPr/>
-          </a:p>
-          <a:p>
-            <a:pPr marL="457200" lvl="0" indent="-334327" algn="l" rtl="0">
-              <a:spcBef>
-                <a:spcPts val="0"/>
-              </a:spcBef>
-              <a:spcAft>
-                <a:spcPts val="0"/>
-              </a:spcAft>
-              <a:buSzPct val="100000"/>
-              <a:buChar char="●"/>
-            </a:pPr>
-            <a:r>
-              <a:rPr lang="en"/>
-              <a:t>Requirements:</a:t>
-            </a:r>
-            <a:endParaRPr/>
-          </a:p>
-          <a:p>
-            <a:pPr marL="914400" lvl="1" indent="-310832" algn="l" rtl="0">
-              <a:spcBef>
-                <a:spcPts val="0"/>
-              </a:spcBef>
-              <a:spcAft>
-                <a:spcPts val="0"/>
-              </a:spcAft>
-              <a:buSzPct val="100000"/>
-              <a:buChar char="○"/>
-            </a:pPr>
-            <a:r>
-              <a:rPr lang="en"/>
-              <a:t>Answer all the questions in this document</a:t>
-            </a:r>
-            <a:endParaRPr/>
-          </a:p>
-          <a:p>
-            <a:pPr marL="914400" lvl="1" indent="-310832" algn="l" rtl="0">
-              <a:spcBef>
-                <a:spcPts val="0"/>
-              </a:spcBef>
-              <a:spcAft>
-                <a:spcPts val="0"/>
-              </a:spcAft>
-              <a:buSzPct val="100000"/>
-              <a:buChar char="○"/>
-            </a:pPr>
-            <a:r>
-              <a:rPr lang="en"/>
-              <a:t>When complete, download this as a PDF document for submission in the peer review assignment. </a:t>
-            </a:r>
-            <a:endParaRPr/>
-          </a:p>
-          <a:p>
-            <a:pPr marL="914400" lvl="1" indent="-310832" algn="l" rtl="0">
-              <a:spcBef>
-                <a:spcPts val="0"/>
-              </a:spcBef>
-              <a:spcAft>
-                <a:spcPts val="0"/>
-              </a:spcAft>
-              <a:buSzPct val="100000"/>
-              <a:buChar char="○"/>
-            </a:pPr>
-            <a:r>
-              <a:rPr lang="en"/>
-              <a:t>Don’t know how to download as a PDF? You can find more information about downloading this by </a:t>
-            </a:r>
-            <a:r>
-              <a:rPr lang="en" u="sng">
-                <a:solidFill>
-                  <a:schemeClr val="accent5"/>
-                </a:solidFill>
-                <a:hlinkClick r:id="rId3">
-                  <a:extLst>
-                    <a:ext uri="{A12FA001-AC4F-418D-AE19-62706E023703}">
-                      <ahyp:hlinkClr xmlns:ahyp="http://schemas.microsoft.com/office/drawing/2018/hyperlinkcolor" val="tx"/>
-                    </a:ext>
-                  </a:extLst>
-                </a:hlinkClick>
-              </a:rPr>
-              <a:t>clicking here</a:t>
-            </a:r>
-            <a:r>
-              <a:rPr lang="en"/>
-              <a:t>.</a:t>
-            </a:r>
-            <a:endParaRPr/>
-          </a:p>
-          <a:p>
-            <a:pPr marL="914400" lvl="1" indent="-310832" algn="l" rtl="0">
-              <a:spcBef>
-                <a:spcPts val="0"/>
-              </a:spcBef>
-              <a:spcAft>
-                <a:spcPts val="0"/>
-              </a:spcAft>
-              <a:buClr>
-                <a:srgbClr val="000000"/>
-              </a:buClr>
-              <a:buSzPct val="100000"/>
-              <a:buChar char="○"/>
-            </a:pPr>
-            <a:r>
-              <a:rPr lang="en">
-                <a:solidFill>
-                  <a:srgbClr val="000000"/>
-                </a:solidFill>
-                <a:highlight>
-                  <a:srgbClr val="FFDE00"/>
-                </a:highlight>
-              </a:rPr>
-              <a:t>Remove this slide before submitting</a:t>
-            </a:r>
-            <a:endParaRPr>
-              <a:solidFill>
-                <a:srgbClr val="000000"/>
-              </a:solidFill>
-              <a:highlight>
-                <a:srgbClr val="FFDE00"/>
-              </a:highlight>
-            </a:endParaRPr>
           </a:p>
         </p:txBody>
       </p:sp>
@@ -8326,239 +8444,6 @@
 </file>
 
 <file path=ppt/slides/slide10.xml><?xml version="1.0" encoding="utf-8"?>
-<p:sld xmlns:a="http://schemas.openxmlformats.org/drawingml/2006/main" xmlns:r="http://schemas.openxmlformats.org/officeDocument/2006/relationships" xmlns:p="http://schemas.openxmlformats.org/presentationml/2006/main">
-  <p:cSld>
-    <p:spTree>
-      <p:nvGrpSpPr>
-        <p:cNvPr id="1" name="Shape 124"/>
-        <p:cNvGrpSpPr/>
-        <p:nvPr/>
-      </p:nvGrpSpPr>
-      <p:grpSpPr>
-        <a:xfrm>
-          <a:off x="0" y="0"/>
-          <a:ext cx="0" cy="0"/>
-          <a:chOff x="0" y="0"/>
-          <a:chExt cx="0" cy="0"/>
-        </a:xfrm>
-      </p:grpSpPr>
-      <p:sp>
-        <p:nvSpPr>
-          <p:cNvPr id="125" name="Google Shape;125;p22"/>
-          <p:cNvSpPr txBox="1">
-            <a:spLocks noGrp="1"/>
-          </p:cNvSpPr>
-          <p:nvPr>
-            <p:ph type="title"/>
-          </p:nvPr>
-        </p:nvSpPr>
-        <p:spPr>
-          <a:xfrm>
-            <a:off x="311700" y="445025"/>
-            <a:ext cx="8520600" cy="572700"/>
-          </a:xfrm>
-          <a:prstGeom prst="rect">
-            <a:avLst/>
-          </a:prstGeom>
-        </p:spPr>
-        <p:txBody>
-          <a:bodyPr spcFirstLastPara="1" wrap="square" lIns="91425" tIns="91425" rIns="91425" bIns="91425" anchor="t" anchorCtr="0">
-            <a:noAutofit/>
-          </a:bodyPr>
-          <a:lstStyle/>
-          <a:p>
-            <a:pPr marL="0" lvl="0" indent="0" algn="l" rtl="0">
-              <a:spcBef>
-                <a:spcPts val="0"/>
-              </a:spcBef>
-              <a:spcAft>
-                <a:spcPts val="0"/>
-              </a:spcAft>
-              <a:buNone/>
-            </a:pPr>
-            <a:r>
-              <a:rPr lang="en" sz="2800"/>
-              <a:t>Sample Type</a:t>
-            </a:r>
-            <a:endParaRPr sz="2800"/>
-          </a:p>
-        </p:txBody>
-      </p:sp>
-      <p:sp>
-        <p:nvSpPr>
-          <p:cNvPr id="126" name="Google Shape;126;p22"/>
-          <p:cNvSpPr txBox="1">
-            <a:spLocks noGrp="1"/>
-          </p:cNvSpPr>
-          <p:nvPr>
-            <p:ph type="body" idx="1"/>
-          </p:nvPr>
-        </p:nvSpPr>
-        <p:spPr>
-          <a:xfrm>
-            <a:off x="311700" y="1152475"/>
-            <a:ext cx="8520600" cy="714300"/>
-          </a:xfrm>
-          <a:prstGeom prst="rect">
-            <a:avLst/>
-          </a:prstGeom>
-        </p:spPr>
-        <p:txBody>
-          <a:bodyPr spcFirstLastPara="1" wrap="square" lIns="91425" tIns="91425" rIns="91425" bIns="91425" anchor="t" anchorCtr="0">
-            <a:spAutoFit/>
-          </a:bodyPr>
-          <a:lstStyle/>
-          <a:p>
-            <a:pPr marL="0" lvl="0" indent="0" algn="l" rtl="0">
-              <a:spcBef>
-                <a:spcPts val="0"/>
-              </a:spcBef>
-              <a:spcAft>
-                <a:spcPts val="1200"/>
-              </a:spcAft>
-              <a:buNone/>
-            </a:pPr>
-            <a:r>
-              <a:rPr lang="en" sz="1600">
-                <a:highlight>
-                  <a:srgbClr val="FFDE00"/>
-                </a:highlight>
-              </a:rPr>
-              <a:t>It’s important to understand the sample you’re using in your analysis. Fill in the information below about the sample you have received:</a:t>
-            </a:r>
-            <a:endParaRPr sz="1600">
-              <a:highlight>
-                <a:srgbClr val="FFDE00"/>
-              </a:highlight>
-            </a:endParaRPr>
-          </a:p>
-        </p:txBody>
-      </p:sp>
-      <p:sp>
-        <p:nvSpPr>
-          <p:cNvPr id="127" name="Google Shape;127;p22"/>
-          <p:cNvSpPr txBox="1"/>
-          <p:nvPr/>
-        </p:nvSpPr>
-        <p:spPr>
-          <a:xfrm>
-            <a:off x="311700" y="3309525"/>
-            <a:ext cx="8520600" cy="461700"/>
-          </a:xfrm>
-          <a:prstGeom prst="rect">
-            <a:avLst/>
-          </a:prstGeom>
-          <a:noFill/>
-          <a:ln>
-            <a:noFill/>
-          </a:ln>
-        </p:spPr>
-        <p:txBody>
-          <a:bodyPr spcFirstLastPara="1" wrap="square" lIns="91425" tIns="91425" rIns="91425" bIns="91425" anchor="t" anchorCtr="0">
-            <a:spAutoFit/>
-          </a:bodyPr>
-          <a:lstStyle/>
-          <a:p>
-            <a:pPr marL="0" lvl="0" indent="0" algn="l" rtl="0">
-              <a:spcBef>
-                <a:spcPts val="0"/>
-              </a:spcBef>
-              <a:spcAft>
-                <a:spcPts val="0"/>
-              </a:spcAft>
-              <a:buNone/>
-            </a:pPr>
-            <a:r>
-              <a:rPr lang="en" sz="1800">
-                <a:solidFill>
-                  <a:srgbClr val="434343"/>
-                </a:solidFill>
-                <a:latin typeface="DM Sans"/>
-                <a:ea typeface="DM Sans"/>
-                <a:cs typeface="DM Sans"/>
-                <a:sym typeface="DM Sans"/>
-              </a:rPr>
-              <a:t>Does the conversions data have a normal distribution? xx</a:t>
-            </a:r>
-            <a:endParaRPr sz="1800">
-              <a:solidFill>
-                <a:srgbClr val="434343"/>
-              </a:solidFill>
-              <a:latin typeface="DM Sans"/>
-              <a:ea typeface="DM Sans"/>
-              <a:cs typeface="DM Sans"/>
-              <a:sym typeface="DM Sans"/>
-            </a:endParaRPr>
-          </a:p>
-        </p:txBody>
-      </p:sp>
-      <p:sp>
-        <p:nvSpPr>
-          <p:cNvPr id="128" name="Google Shape;128;p22"/>
-          <p:cNvSpPr txBox="1"/>
-          <p:nvPr/>
-        </p:nvSpPr>
-        <p:spPr>
-          <a:xfrm>
-            <a:off x="311700" y="2707425"/>
-            <a:ext cx="8520600" cy="461700"/>
-          </a:xfrm>
-          <a:prstGeom prst="rect">
-            <a:avLst/>
-          </a:prstGeom>
-          <a:noFill/>
-          <a:ln>
-            <a:noFill/>
-          </a:ln>
-        </p:spPr>
-        <p:txBody>
-          <a:bodyPr spcFirstLastPara="1" wrap="square" lIns="91425" tIns="91425" rIns="91425" bIns="91425" anchor="t" anchorCtr="0">
-            <a:spAutoFit/>
-          </a:bodyPr>
-          <a:lstStyle/>
-          <a:p>
-            <a:pPr marL="0" lvl="0" indent="0" algn="l" rtl="0">
-              <a:spcBef>
-                <a:spcPts val="0"/>
-              </a:spcBef>
-              <a:spcAft>
-                <a:spcPts val="0"/>
-              </a:spcAft>
-              <a:buNone/>
-            </a:pPr>
-            <a:r>
-              <a:rPr lang="en" sz="1800">
-                <a:solidFill>
-                  <a:srgbClr val="434343"/>
-                </a:solidFill>
-                <a:latin typeface="DM Sans"/>
-                <a:ea typeface="DM Sans"/>
-                <a:cs typeface="DM Sans"/>
-                <a:sym typeface="DM Sans"/>
-              </a:rPr>
-              <a:t>Does the clicks data have a normal distribution? xx</a:t>
-            </a:r>
-            <a:endParaRPr sz="1800">
-              <a:solidFill>
-                <a:srgbClr val="434343"/>
-              </a:solidFill>
-              <a:latin typeface="DM Sans"/>
-              <a:ea typeface="DM Sans"/>
-              <a:cs typeface="DM Sans"/>
-              <a:sym typeface="DM Sans"/>
-            </a:endParaRPr>
-          </a:p>
-        </p:txBody>
-      </p:sp>
-    </p:spTree>
-  </p:cSld>
-  <p:clrMapOvr>
-    <a:masterClrMapping/>
-  </p:clrMapOvr>
-</p:sld>
-</file>
-
-<file path=ppt/slides/slide11.xml><?xml version="1.0" encoding="utf-8"?>
 <p:sld xmlns:a="http://schemas.openxmlformats.org/drawingml/2006/main" xmlns:r="http://schemas.openxmlformats.org/officeDocument/2006/relationships" xmlns:p="http://schemas.openxmlformats.org/presentationml/2006/main">
   <p:cSld>
     <p:spTree>
@@ -8784,7 +8669,7 @@
         <p:spPr>
           <a:xfrm>
             <a:off x="665250" y="2442592"/>
-            <a:ext cx="7344600" cy="461700"/>
+            <a:ext cx="7344600" cy="1015632"/>
           </a:xfrm>
           <a:prstGeom prst="rect">
             <a:avLst/>
@@ -8810,7 +8695,7 @@
               <a:buNone/>
             </a:pPr>
             <a:r>
-              <a:rPr lang="en" sz="1800">
+              <a:rPr lang="en" sz="1800" dirty="0">
                 <a:solidFill>
                   <a:srgbClr val="0A004A"/>
                 </a:solidFill>
@@ -8819,9 +8704,68 @@
                 <a:cs typeface="DM Sans"/>
                 <a:sym typeface="DM Sans"/>
               </a:rPr>
-              <a:t>Continuous: xx</a:t>
+              <a:t>Continuous: </a:t>
             </a:r>
-            <a:endParaRPr sz="1800">
+            <a:r>
+              <a:rPr lang="en-MY" sz="1800" dirty="0">
+                <a:solidFill>
+                  <a:srgbClr val="0A004A"/>
+                </a:solidFill>
+                <a:latin typeface="DM Sans"/>
+                <a:ea typeface="DM Sans"/>
+                <a:cs typeface="DM Sans"/>
+                <a:sym typeface="DM Sans"/>
+              </a:rPr>
+              <a:t>AdWords Ad Views</a:t>
+            </a:r>
+            <a:r>
+              <a:rPr lang="en" sz="1800" dirty="0">
+                <a:solidFill>
+                  <a:srgbClr val="0A004A"/>
+                </a:solidFill>
+                <a:latin typeface="DM Sans"/>
+                <a:ea typeface="DM Sans"/>
+                <a:cs typeface="DM Sans"/>
+                <a:sym typeface="DM Sans"/>
+              </a:rPr>
+              <a:t>, </a:t>
+            </a:r>
+            <a:r>
+              <a:rPr lang="en-MY" sz="1800" dirty="0">
+                <a:solidFill>
+                  <a:srgbClr val="0A004A"/>
+                </a:solidFill>
+                <a:latin typeface="DM Sans"/>
+                <a:ea typeface="DM Sans"/>
+                <a:cs typeface="DM Sans"/>
+                <a:sym typeface="DM Sans"/>
+              </a:rPr>
+              <a:t>AdWords Ad Clicks, Cost per AdWords Ad,</a:t>
+            </a:r>
+          </a:p>
+          <a:p>
+            <a:pPr marL="0" lvl="0" indent="0" algn="l" rtl="0">
+              <a:spcBef>
+                <a:spcPts val="0"/>
+              </a:spcBef>
+              <a:spcAft>
+                <a:spcPts val="0"/>
+              </a:spcAft>
+              <a:buNone/>
+            </a:pPr>
+            <a:r>
+              <a:rPr lang="en-MY" sz="1800" dirty="0">
+                <a:solidFill>
+                  <a:srgbClr val="0A004A"/>
+                </a:solidFill>
+                <a:latin typeface="DM Sans"/>
+                <a:ea typeface="DM Sans"/>
+                <a:cs typeface="DM Sans"/>
+                <a:sym typeface="DM Sans"/>
+              </a:rPr>
+              <a:t>AdWords Click-Through Rate, AdWords Conversion Rate, AdWords Cost per Click</a:t>
+            </a:r>
+            <a:endParaRPr sz="1800" dirty="0">
               <a:solidFill>
                 <a:srgbClr val="0A004A"/>
               </a:solidFill>
@@ -8841,8 +8785,8 @@
         </p:nvSpPr>
         <p:spPr>
           <a:xfrm>
-            <a:off x="665250" y="2904294"/>
-            <a:ext cx="7344600" cy="461700"/>
+            <a:off x="5160000" y="3172011"/>
+            <a:ext cx="2734864" cy="461700"/>
           </a:xfrm>
           <a:prstGeom prst="rect">
             <a:avLst/>
@@ -8868,7 +8812,7 @@
               <a:buNone/>
             </a:pPr>
             <a:r>
-              <a:rPr lang="en" sz="1800">
+              <a:rPr lang="en" sz="1800" dirty="0">
                 <a:solidFill>
                   <a:srgbClr val="0A004A"/>
                 </a:solidFill>
@@ -8877,9 +8821,9 @@
                 <a:cs typeface="DM Sans"/>
                 <a:sym typeface="DM Sans"/>
               </a:rPr>
-              <a:t>Discrete: xx</a:t>
+              <a:t>Discrete: None</a:t>
             </a:r>
-            <a:endParaRPr sz="1800">
+            <a:endParaRPr sz="1800" dirty="0">
               <a:solidFill>
                 <a:srgbClr val="0A004A"/>
               </a:solidFill>
@@ -8926,7 +8870,7 @@
               <a:buNone/>
             </a:pPr>
             <a:r>
-              <a:rPr lang="en" sz="1800">
+              <a:rPr lang="en" sz="1800" dirty="0">
                 <a:solidFill>
                   <a:srgbClr val="0A004A"/>
                 </a:solidFill>
@@ -8935,9 +8879,9 @@
                 <a:cs typeface="DM Sans"/>
                 <a:sym typeface="DM Sans"/>
               </a:rPr>
-              <a:t>Nominal: xx</a:t>
+              <a:t>Nominal: None</a:t>
             </a:r>
-            <a:endParaRPr sz="1800">
+            <a:endParaRPr sz="1800" dirty="0">
               <a:solidFill>
                 <a:srgbClr val="0A004A"/>
               </a:solidFill>
@@ -8984,7 +8928,7 @@
               <a:buNone/>
             </a:pPr>
             <a:r>
-              <a:rPr lang="en" sz="1800">
+              <a:rPr lang="en" sz="1800" dirty="0">
                 <a:solidFill>
                   <a:srgbClr val="0A004A"/>
                 </a:solidFill>
@@ -8993,9 +8937,9 @@
                 <a:cs typeface="DM Sans"/>
                 <a:sym typeface="DM Sans"/>
               </a:rPr>
-              <a:t>Ordinal: xx</a:t>
+              <a:t>Ordinal: None</a:t>
             </a:r>
-            <a:endParaRPr sz="1800">
+            <a:endParaRPr sz="1800" dirty="0">
               <a:solidFill>
                 <a:srgbClr val="0A004A"/>
               </a:solidFill>
@@ -9015,7 +8959,7 @@
 </p:sld>
 </file>
 
-<file path=ppt/slides/slide12.xml><?xml version="1.0" encoding="utf-8"?>
+<file path=ppt/slides/slide11.xml><?xml version="1.0" encoding="utf-8"?>
 <p:sld xmlns:a="http://schemas.openxmlformats.org/drawingml/2006/main" xmlns:r="http://schemas.openxmlformats.org/officeDocument/2006/relationships" xmlns:p="http://schemas.openxmlformats.org/presentationml/2006/main">
   <p:cSld>
     <p:spTree>
@@ -9082,7 +9026,7 @@
 </p:sld>
 </file>
 
-<file path=ppt/slides/slide13.xml><?xml version="1.0" encoding="utf-8"?>
+<file path=ppt/slides/slide12.xml><?xml version="1.0" encoding="utf-8"?>
 <p:sld xmlns:a="http://schemas.openxmlformats.org/drawingml/2006/main" xmlns:r="http://schemas.openxmlformats.org/officeDocument/2006/relationships" xmlns:p="http://schemas.openxmlformats.org/presentationml/2006/main">
   <p:cSld>
     <p:spTree>
@@ -9224,7 +9168,7 @@
               <a:buNone/>
             </a:pPr>
             <a:r>
-              <a:rPr lang="en" sz="1800">
+              <a:rPr lang="en" sz="1800" dirty="0">
                 <a:solidFill>
                   <a:srgbClr val="0A004A"/>
                 </a:solidFill>
@@ -9233,9 +9177,20 @@
                 <a:cs typeface="DM Sans"/>
                 <a:sym typeface="DM Sans"/>
               </a:rPr>
-              <a:t>What is your hypothesis based off the evaluation question? xx</a:t>
+              <a:t>What is your hypothesis based off the evaluation question? </a:t>
             </a:r>
-            <a:endParaRPr sz="1800">
+          </a:p>
+          <a:p>
+            <a:pPr marL="0" lvl="0" indent="0" algn="l" rtl="0">
+              <a:spcBef>
+                <a:spcPts val="0"/>
+              </a:spcBef>
+              <a:spcAft>
+                <a:spcPts val="0"/>
+              </a:spcAft>
+              <a:buNone/>
+            </a:pPr>
+            <a:endParaRPr lang="en" sz="1800" dirty="0">
               <a:solidFill>
                 <a:srgbClr val="0A004A"/>
               </a:solidFill>
@@ -9245,6 +9200,62 @@
               <a:sym typeface="DM Sans"/>
             </a:endParaRPr>
           </a:p>
+          <a:p>
+            <a:pPr marL="0" lvl="0" indent="0" algn="l" rtl="0">
+              <a:spcBef>
+                <a:spcPts val="0"/>
+              </a:spcBef>
+              <a:spcAft>
+                <a:spcPts val="0"/>
+              </a:spcAft>
+              <a:buNone/>
+            </a:pPr>
+            <a:r>
+              <a:rPr lang="en-US" sz="1800" dirty="0">
+                <a:solidFill>
+                  <a:srgbClr val="0A004A"/>
+                </a:solidFill>
+                <a:latin typeface="DM Sans"/>
+                <a:ea typeface="DM Sans"/>
+                <a:cs typeface="DM Sans"/>
+                <a:sym typeface="DM Sans"/>
+              </a:rPr>
+              <a:t>Are the number of conversions in Facebook greater than </a:t>
+            </a:r>
+            <a:r>
+              <a:rPr lang="en-US" sz="1800" dirty="0" err="1">
+                <a:solidFill>
+                  <a:srgbClr val="0A004A"/>
+                </a:solidFill>
+                <a:latin typeface="DM Sans"/>
+                <a:ea typeface="DM Sans"/>
+                <a:cs typeface="DM Sans"/>
+                <a:sym typeface="DM Sans"/>
+              </a:rPr>
+              <a:t>AdWare</a:t>
+            </a:r>
+            <a:r>
+              <a:rPr lang="en-US" sz="1800" dirty="0">
+                <a:solidFill>
+                  <a:srgbClr val="0A004A"/>
+                </a:solidFill>
+                <a:latin typeface="DM Sans"/>
+                <a:ea typeface="DM Sans"/>
+                <a:cs typeface="DM Sans"/>
+                <a:sym typeface="DM Sans"/>
+              </a:rPr>
+              <a:t> Ad when more advertising is done there?</a:t>
+            </a:r>
+            <a:endParaRPr lang="en-MY" sz="1800" dirty="0">
+              <a:solidFill>
+                <a:srgbClr val="0A004A"/>
+              </a:solidFill>
+              <a:latin typeface="DM Sans"/>
+              <a:ea typeface="DM Sans"/>
+              <a:cs typeface="DM Sans"/>
+              <a:sym typeface="DM Sans"/>
+            </a:endParaRPr>
+          </a:p>
         </p:txBody>
       </p:sp>
     </p:spTree>
@@ -9255,7 +9266,7 @@
 </p:sld>
 </file>
 
-<file path=ppt/slides/slide14.xml><?xml version="1.0" encoding="utf-8"?>
+<file path=ppt/slides/slide13.xml><?xml version="1.0" encoding="utf-8"?>
 <p:sld xmlns:a="http://schemas.openxmlformats.org/drawingml/2006/main" xmlns:r="http://schemas.openxmlformats.org/officeDocument/2006/relationships" xmlns:p="http://schemas.openxmlformats.org/presentationml/2006/main">
   <p:cSld>
     <p:spTree>
@@ -9327,7 +9338,7 @@
         <p:spPr>
           <a:xfrm>
             <a:off x="311700" y="1152475"/>
-            <a:ext cx="8520600" cy="714300"/>
+            <a:ext cx="8520600" cy="975621"/>
           </a:xfrm>
           <a:prstGeom prst="rect">
             <a:avLst/>
@@ -9349,18 +9360,10 @@
               <a:buNone/>
             </a:pPr>
             <a:r>
-              <a:rPr lang="en" sz="1600">
-                <a:highlight>
-                  <a:srgbClr val="FFDE00"/>
-                </a:highlight>
-              </a:rPr>
+              <a:rPr lang="en" dirty="0"/>
               <a:t>The question you hope to answer and your hypothesized answer are necessary to complete  an analysis. Answer the following questions</a:t>
             </a:r>
-            <a:endParaRPr sz="1600">
-              <a:highlight>
-                <a:srgbClr val="FFDE00"/>
-              </a:highlight>
-            </a:endParaRPr>
+            <a:endParaRPr dirty="0"/>
           </a:p>
         </p:txBody>
       </p:sp>
@@ -9399,7 +9402,7 @@
               <a:buNone/>
             </a:pPr>
             <a:r>
-              <a:rPr lang="en" sz="2400">
+              <a:rPr lang="en" sz="2400" dirty="0">
                 <a:solidFill>
                   <a:srgbClr val="0A004A"/>
                 </a:solidFill>
@@ -9408,9 +9411,21 @@
                 <a:cs typeface="DM Sans"/>
                 <a:sym typeface="DM Sans"/>
               </a:rPr>
-              <a:t>What is your independent variable? xx</a:t>
+              <a:t>What is your independent variable? </a:t>
             </a:r>
-            <a:endParaRPr sz="2400">
+            <a:r>
+              <a:rPr lang="en-MY" sz="2400" dirty="0">
+                <a:solidFill>
+                  <a:srgbClr val="0A004A"/>
+                </a:solidFill>
+                <a:latin typeface="DM Sans"/>
+                <a:ea typeface="DM Sans"/>
+                <a:cs typeface="DM Sans"/>
+                <a:sym typeface="DM Sans"/>
+              </a:rPr>
+              <a:t>Cost per Facebook Ad</a:t>
+            </a:r>
+            <a:endParaRPr sz="2400" dirty="0">
               <a:solidFill>
                 <a:srgbClr val="0A004A"/>
               </a:solidFill>
@@ -9431,7 +9446,7 @@
         <p:spPr>
           <a:xfrm>
             <a:off x="407581" y="2571750"/>
-            <a:ext cx="7483200" cy="554100"/>
+            <a:ext cx="7483200" cy="923299"/>
           </a:xfrm>
           <a:prstGeom prst="rect">
             <a:avLst/>
@@ -9457,7 +9472,7 @@
               <a:buNone/>
             </a:pPr>
             <a:r>
-              <a:rPr lang="en" sz="2400">
+              <a:rPr lang="en" sz="2400" dirty="0">
                 <a:solidFill>
                   <a:srgbClr val="0A004A"/>
                 </a:solidFill>
@@ -9466,9 +9481,21 @@
                 <a:cs typeface="DM Sans"/>
                 <a:sym typeface="DM Sans"/>
               </a:rPr>
-              <a:t>What is your dependent variable? xx</a:t>
+              <a:t>What is your dependent variable? </a:t>
             </a:r>
-            <a:endParaRPr sz="2400">
+            <a:r>
+              <a:rPr lang="en-MY" sz="2400" dirty="0">
+                <a:solidFill>
+                  <a:srgbClr val="0A004A"/>
+                </a:solidFill>
+                <a:latin typeface="DM Sans"/>
+                <a:ea typeface="DM Sans"/>
+                <a:cs typeface="DM Sans"/>
+                <a:sym typeface="DM Sans"/>
+              </a:rPr>
+              <a:t>Facebook Ad Conversions</a:t>
+            </a:r>
+            <a:endParaRPr sz="2400" dirty="0">
               <a:solidFill>
                 <a:srgbClr val="0A004A"/>
               </a:solidFill>
@@ -9488,7 +9515,7 @@
 </p:sld>
 </file>
 
-<file path=ppt/slides/slide15.xml><?xml version="1.0" encoding="utf-8"?>
+<file path=ppt/slides/slide14.xml><?xml version="1.0" encoding="utf-8"?>
 <p:sld xmlns:a="http://schemas.openxmlformats.org/drawingml/2006/main" xmlns:r="http://schemas.openxmlformats.org/officeDocument/2006/relationships" xmlns:p="http://schemas.openxmlformats.org/presentationml/2006/main">
   <p:cSld>
     <p:spTree>
@@ -9560,7 +9587,7 @@
         <p:spPr>
           <a:xfrm>
             <a:off x="311700" y="1152475"/>
-            <a:ext cx="8520600" cy="714300"/>
+            <a:ext cx="8520600" cy="975621"/>
           </a:xfrm>
           <a:prstGeom prst="rect">
             <a:avLst/>
@@ -9582,18 +9609,10 @@
               <a:buNone/>
             </a:pPr>
             <a:r>
-              <a:rPr lang="en" sz="1600">
-                <a:highlight>
-                  <a:srgbClr val="FFDE00"/>
-                </a:highlight>
-              </a:rPr>
+              <a:rPr lang="en" dirty="0"/>
               <a:t>With your question and hypothesis ready, run the test on the two sets of data. Fill in the information below.</a:t>
             </a:r>
-            <a:endParaRPr sz="1600">
-              <a:highlight>
-                <a:srgbClr val="FFDE00"/>
-              </a:highlight>
-            </a:endParaRPr>
+            <a:endParaRPr dirty="0"/>
           </a:p>
         </p:txBody>
       </p:sp>
@@ -9632,7 +9651,7 @@
               <a:buNone/>
             </a:pPr>
             <a:r>
-              <a:rPr lang="en" sz="2400">
+              <a:rPr lang="en" sz="2400" dirty="0">
                 <a:solidFill>
                   <a:srgbClr val="0A004A"/>
                 </a:solidFill>
@@ -9641,9 +9660,9 @@
                 <a:cs typeface="DM Sans"/>
                 <a:sym typeface="DM Sans"/>
               </a:rPr>
-              <a:t>Mean number of Facebook conversions: xx</a:t>
+              <a:t>Mean number of Facebook conversions: 11.74</a:t>
             </a:r>
-            <a:endParaRPr sz="2400">
+            <a:endParaRPr sz="2400" dirty="0">
               <a:solidFill>
                 <a:srgbClr val="0A004A"/>
               </a:solidFill>
@@ -9690,7 +9709,7 @@
               <a:buNone/>
             </a:pPr>
             <a:r>
-              <a:rPr lang="en" sz="2400">
+              <a:rPr lang="en" sz="2400" dirty="0">
                 <a:solidFill>
                   <a:srgbClr val="0A004A"/>
                 </a:solidFill>
@@ -9699,9 +9718,9 @@
                 <a:cs typeface="DM Sans"/>
                 <a:sym typeface="DM Sans"/>
               </a:rPr>
-              <a:t>p-Value: xx</a:t>
+              <a:t>p-Value: 9.34 exp(-134)</a:t>
             </a:r>
-            <a:endParaRPr sz="2400">
+            <a:endParaRPr sz="2400" dirty="0">
               <a:solidFill>
                 <a:srgbClr val="0A004A"/>
               </a:solidFill>
@@ -9748,7 +9767,7 @@
               <a:buNone/>
             </a:pPr>
             <a:r>
-              <a:rPr lang="en" sz="2400">
+              <a:rPr lang="en" sz="2400" dirty="0">
                 <a:solidFill>
                   <a:srgbClr val="0A004A"/>
                 </a:solidFill>
@@ -9757,9 +9776,9 @@
                 <a:cs typeface="DM Sans"/>
                 <a:sym typeface="DM Sans"/>
               </a:rPr>
-              <a:t>Mean number of Adware conversions: xx</a:t>
+              <a:t>Mean number of Adware conversions: 5.98</a:t>
             </a:r>
-            <a:endParaRPr sz="2400">
+            <a:endParaRPr sz="2400" dirty="0">
               <a:solidFill>
                 <a:srgbClr val="0A004A"/>
               </a:solidFill>
@@ -9779,7 +9798,7 @@
 </p:sld>
 </file>
 
-<file path=ppt/slides/slide16.xml><?xml version="1.0" encoding="utf-8"?>
+<file path=ppt/slides/slide15.xml><?xml version="1.0" encoding="utf-8"?>
 <p:sld xmlns:a="http://schemas.openxmlformats.org/drawingml/2006/main" xmlns:r="http://schemas.openxmlformats.org/officeDocument/2006/relationships" xmlns:p="http://schemas.openxmlformats.org/presentationml/2006/main">
   <p:cSld>
     <p:spTree>
@@ -9979,7 +9998,7 @@
               <a:buNone/>
             </a:pPr>
             <a:r>
-              <a:rPr lang="en" sz="1800">
+              <a:rPr lang="en" sz="1800" dirty="0">
                 <a:solidFill>
                   <a:srgbClr val="0A004A"/>
                 </a:solidFill>
@@ -9990,7 +10009,18 @@
               </a:rPr>
               <a:t>What’s your conclusion about your main hypothesis? Is there a difference, and is it what your hypothesis predicted?</a:t>
             </a:r>
-            <a:endParaRPr sz="1800">
+          </a:p>
+          <a:p>
+            <a:pPr marL="0" lvl="0" indent="0" algn="l" rtl="0">
+              <a:spcBef>
+                <a:spcPts val="0"/>
+              </a:spcBef>
+              <a:spcAft>
+                <a:spcPts val="0"/>
+              </a:spcAft>
+              <a:buNone/>
+            </a:pPr>
+            <a:endParaRPr lang="en" sz="1800" dirty="0">
               <a:solidFill>
                 <a:srgbClr val="0A004A"/>
               </a:solidFill>
@@ -10000,6 +10030,105 @@
               <a:sym typeface="DM Sans"/>
             </a:endParaRPr>
           </a:p>
+          <a:p>
+            <a:pPr marL="0" lvl="0" indent="0" algn="l" rtl="0">
+              <a:spcBef>
+                <a:spcPts val="0"/>
+              </a:spcBef>
+              <a:spcAft>
+                <a:spcPts val="0"/>
+              </a:spcAft>
+              <a:buNone/>
+            </a:pPr>
+            <a:r>
+              <a:rPr lang="en-US" sz="1800" dirty="0">
+                <a:solidFill>
+                  <a:srgbClr val="0A004A"/>
+                </a:solidFill>
+                <a:latin typeface="DM Sans"/>
+                <a:ea typeface="DM Sans"/>
+                <a:cs typeface="DM Sans"/>
+                <a:sym typeface="DM Sans"/>
+              </a:rPr>
+              <a:t>Since the p-value calculated is less than 0.05, H0 is rejected, and H1 is accepted.</a:t>
+            </a:r>
+          </a:p>
+          <a:p>
+            <a:pPr marL="0" lvl="0" indent="0" algn="l" rtl="0">
+              <a:spcBef>
+                <a:spcPts val="0"/>
+              </a:spcBef>
+              <a:spcAft>
+                <a:spcPts val="0"/>
+              </a:spcAft>
+              <a:buNone/>
+            </a:pPr>
+            <a:endParaRPr lang="en-US" sz="1800" dirty="0">
+              <a:solidFill>
+                <a:srgbClr val="0A004A"/>
+              </a:solidFill>
+              <a:latin typeface="DM Sans"/>
+              <a:ea typeface="DM Sans"/>
+              <a:cs typeface="DM Sans"/>
+              <a:sym typeface="DM Sans"/>
+            </a:endParaRPr>
+          </a:p>
+          <a:p>
+            <a:pPr marL="0" lvl="0" indent="0" algn="l" rtl="0">
+              <a:spcBef>
+                <a:spcPts val="0"/>
+              </a:spcBef>
+              <a:spcAft>
+                <a:spcPts val="0"/>
+              </a:spcAft>
+              <a:buNone/>
+            </a:pPr>
+            <a:r>
+              <a:rPr lang="en-US" sz="1800" dirty="0">
+                <a:solidFill>
+                  <a:srgbClr val="0A004A"/>
+                </a:solidFill>
+                <a:latin typeface="DM Sans"/>
+                <a:ea typeface="DM Sans"/>
+                <a:cs typeface="DM Sans"/>
+                <a:sym typeface="DM Sans"/>
+              </a:rPr>
+              <a:t>There is a statistical difference between Facebook and </a:t>
+            </a:r>
+            <a:r>
+              <a:rPr lang="en-US" sz="1800" dirty="0" err="1">
+                <a:solidFill>
+                  <a:srgbClr val="0A004A"/>
+                </a:solidFill>
+                <a:latin typeface="DM Sans"/>
+                <a:ea typeface="DM Sans"/>
+                <a:cs typeface="DM Sans"/>
+                <a:sym typeface="DM Sans"/>
+              </a:rPr>
+              <a:t>AdAware</a:t>
+            </a:r>
+            <a:r>
+              <a:rPr lang="en-US" sz="1800" dirty="0">
+                <a:solidFill>
+                  <a:srgbClr val="0A004A"/>
+                </a:solidFill>
+                <a:latin typeface="DM Sans"/>
+                <a:ea typeface="DM Sans"/>
+                <a:cs typeface="DM Sans"/>
+                <a:sym typeface="DM Sans"/>
+              </a:rPr>
+              <a:t> Ad Conversions.</a:t>
+            </a:r>
+            <a:endParaRPr sz="1800" dirty="0">
+              <a:solidFill>
+                <a:srgbClr val="0A004A"/>
+              </a:solidFill>
+              <a:latin typeface="DM Sans"/>
+              <a:ea typeface="DM Sans"/>
+              <a:cs typeface="DM Sans"/>
+              <a:sym typeface="DM Sans"/>
+            </a:endParaRPr>
+          </a:p>
         </p:txBody>
       </p:sp>
     </p:spTree>
@@ -10010,7 +10139,7 @@
 </p:sld>
 </file>
 
-<file path=ppt/slides/slide17.xml><?xml version="1.0" encoding="utf-8"?>
+<file path=ppt/slides/slide16.xml><?xml version="1.0" encoding="utf-8"?>
 <p:sld xmlns:a="http://schemas.openxmlformats.org/drawingml/2006/main" xmlns:r="http://schemas.openxmlformats.org/officeDocument/2006/relationships" xmlns:p="http://schemas.openxmlformats.org/presentationml/2006/main">
   <p:cSld>
     <p:spTree>
@@ -10077,7 +10206,7 @@
 </p:sld>
 </file>
 
-<file path=ppt/slides/slide18.xml><?xml version="1.0" encoding="utf-8"?>
+<file path=ppt/slides/slide17.xml><?xml version="1.0" encoding="utf-8"?>
 <p:sld xmlns:a="http://schemas.openxmlformats.org/drawingml/2006/main" xmlns:r="http://schemas.openxmlformats.org/officeDocument/2006/relationships" xmlns:p="http://schemas.openxmlformats.org/presentationml/2006/main">
   <p:cSld>
     <p:spTree>
@@ -10219,7 +10348,7 @@
               <a:buNone/>
             </a:pPr>
             <a:r>
-              <a:rPr lang="en" sz="1800">
+              <a:rPr lang="en" sz="1800" dirty="0">
                 <a:solidFill>
                   <a:srgbClr val="0A004A"/>
                 </a:solidFill>
@@ -10228,9 +10357,20 @@
                 <a:cs typeface="DM Sans"/>
                 <a:sym typeface="DM Sans"/>
               </a:rPr>
-              <a:t>Which model makes the most sense to use and why? </a:t>
+              <a:t>Which model makes the most sense to use and why?</a:t>
             </a:r>
-            <a:endParaRPr sz="1800">
+          </a:p>
+          <a:p>
+            <a:pPr marL="0" lvl="0" indent="0" algn="l" rtl="0">
+              <a:spcBef>
+                <a:spcPts val="0"/>
+              </a:spcBef>
+              <a:spcAft>
+                <a:spcPts val="0"/>
+              </a:spcAft>
+              <a:buNone/>
+            </a:pPr>
+            <a:endParaRPr lang="en" sz="1800" dirty="0">
               <a:solidFill>
                 <a:srgbClr val="0A004A"/>
               </a:solidFill>
@@ -10240,6 +10380,98 @@
               <a:sym typeface="DM Sans"/>
             </a:endParaRPr>
           </a:p>
+          <a:p>
+            <a:pPr marL="0" lvl="0" indent="0" algn="l" rtl="0">
+              <a:spcBef>
+                <a:spcPts val="0"/>
+              </a:spcBef>
+              <a:spcAft>
+                <a:spcPts val="0"/>
+              </a:spcAft>
+              <a:buNone/>
+            </a:pPr>
+            <a:r>
+              <a:rPr lang="en-US" sz="1800" dirty="0">
+                <a:solidFill>
+                  <a:srgbClr val="0A004A"/>
+                </a:solidFill>
+                <a:latin typeface="DM Sans"/>
+                <a:ea typeface="DM Sans"/>
+                <a:cs typeface="DM Sans"/>
+                <a:sym typeface="DM Sans"/>
+              </a:rPr>
+              <a:t>Simple Linear Regression is chosen due to one </a:t>
+            </a:r>
+            <a:r>
+              <a:rPr lang="en-US" sz="1800" dirty="0" err="1">
+                <a:solidFill>
+                  <a:srgbClr val="0A004A"/>
+                </a:solidFill>
+                <a:latin typeface="DM Sans"/>
+                <a:ea typeface="DM Sans"/>
+                <a:cs typeface="DM Sans"/>
+                <a:sym typeface="DM Sans"/>
+              </a:rPr>
+              <a:t>independant</a:t>
+            </a:r>
+            <a:r>
+              <a:rPr lang="en-US" sz="1800" dirty="0">
+                <a:solidFill>
+                  <a:srgbClr val="0A004A"/>
+                </a:solidFill>
+                <a:latin typeface="DM Sans"/>
+                <a:ea typeface="DM Sans"/>
+                <a:cs typeface="DM Sans"/>
+                <a:sym typeface="DM Sans"/>
+              </a:rPr>
+              <a:t> and one </a:t>
+            </a:r>
+            <a:r>
+              <a:rPr lang="en-US" sz="1800" dirty="0" err="1">
+                <a:solidFill>
+                  <a:srgbClr val="0A004A"/>
+                </a:solidFill>
+                <a:latin typeface="DM Sans"/>
+                <a:ea typeface="DM Sans"/>
+                <a:cs typeface="DM Sans"/>
+                <a:sym typeface="DM Sans"/>
+              </a:rPr>
+              <a:t>dependant</a:t>
+            </a:r>
+            <a:r>
+              <a:rPr lang="en-US" sz="1800" dirty="0">
+                <a:solidFill>
+                  <a:srgbClr val="0A004A"/>
+                </a:solidFill>
+                <a:latin typeface="DM Sans"/>
+                <a:ea typeface="DM Sans"/>
+                <a:cs typeface="DM Sans"/>
+                <a:sym typeface="DM Sans"/>
+              </a:rPr>
+              <a:t> variable. Both variables are normally distributed.</a:t>
+            </a:r>
+            <a:r>
+              <a:rPr lang="en" sz="1800" dirty="0">
+                <a:solidFill>
+                  <a:srgbClr val="0A004A"/>
+                </a:solidFill>
+                <a:latin typeface="DM Sans"/>
+                <a:ea typeface="DM Sans"/>
+                <a:cs typeface="DM Sans"/>
+                <a:sym typeface="DM Sans"/>
+              </a:rPr>
+              <a:t> </a:t>
+            </a:r>
+            <a:endParaRPr sz="1800" dirty="0">
+              <a:solidFill>
+                <a:srgbClr val="0A004A"/>
+              </a:solidFill>
+              <a:latin typeface="DM Sans"/>
+              <a:ea typeface="DM Sans"/>
+              <a:cs typeface="DM Sans"/>
+              <a:sym typeface="DM Sans"/>
+            </a:endParaRPr>
+          </a:p>
         </p:txBody>
       </p:sp>
     </p:spTree>
@@ -10250,7 +10482,7 @@
 </p:sld>
 </file>
 
-<file path=ppt/slides/slide19.xml><?xml version="1.0" encoding="utf-8"?>
+<file path=ppt/slides/slide18.xml><?xml version="1.0" encoding="utf-8"?>
 <p:sld xmlns:a="http://schemas.openxmlformats.org/drawingml/2006/main" xmlns:r="http://schemas.openxmlformats.org/officeDocument/2006/relationships" xmlns:p="http://schemas.openxmlformats.org/presentationml/2006/main">
   <p:cSld>
     <p:spTree>
@@ -10358,17 +10590,14 @@
           <p:nvPr/>
         </p:nvPicPr>
         <p:blipFill>
-          <a:blip r:embed="rId3">
-            <a:alphaModFix/>
-          </a:blip>
-          <a:stretch>
-            <a:fillRect/>
-          </a:stretch>
+          <a:blip r:embed="rId3"/>
+          <a:srcRect/>
+          <a:stretch/>
         </p:blipFill>
         <p:spPr>
           <a:xfrm>
-            <a:off x="2643900" y="2001525"/>
-            <a:ext cx="3856176" cy="2892125"/>
+            <a:off x="922283" y="1583575"/>
+            <a:ext cx="7354614" cy="3310075"/>
           </a:xfrm>
           <a:prstGeom prst="rect">
             <a:avLst/>
@@ -10387,116 +10616,7 @@
 </p:sld>
 </file>
 
-<file path=ppt/slides/slide2.xml><?xml version="1.0" encoding="utf-8"?>
-<p:sld xmlns:a="http://schemas.openxmlformats.org/drawingml/2006/main" xmlns:r="http://schemas.openxmlformats.org/officeDocument/2006/relationships" xmlns:p="http://schemas.openxmlformats.org/presentationml/2006/main">
-  <p:cSld>
-    <p:spTree>
-      <p:nvGrpSpPr>
-        <p:cNvPr id="1" name="Shape 61"/>
-        <p:cNvGrpSpPr/>
-        <p:nvPr/>
-      </p:nvGrpSpPr>
-      <p:grpSpPr>
-        <a:xfrm>
-          <a:off x="0" y="0"/>
-          <a:ext cx="0" cy="0"/>
-          <a:chOff x="0" y="0"/>
-          <a:chExt cx="0" cy="0"/>
-        </a:xfrm>
-      </p:grpSpPr>
-      <p:sp>
-        <p:nvSpPr>
-          <p:cNvPr id="62" name="Google Shape;62;p14"/>
-          <p:cNvSpPr txBox="1">
-            <a:spLocks noGrp="1"/>
-          </p:cNvSpPr>
-          <p:nvPr>
-            <p:ph type="ctrTitle"/>
-          </p:nvPr>
-        </p:nvSpPr>
-        <p:spPr>
-          <a:xfrm>
-            <a:off x="311708" y="744575"/>
-            <a:ext cx="8520600" cy="2052600"/>
-          </a:xfrm>
-          <a:prstGeom prst="rect">
-            <a:avLst/>
-          </a:prstGeom>
-        </p:spPr>
-        <p:txBody>
-          <a:bodyPr spcFirstLastPara="1" wrap="square" lIns="91425" tIns="91425" rIns="91425" bIns="91425" anchor="b" anchorCtr="0">
-            <a:normAutofit/>
-          </a:bodyPr>
-          <a:lstStyle/>
-          <a:p>
-            <a:pPr marL="0" lvl="0" indent="0" algn="ctr" rtl="0">
-              <a:spcBef>
-                <a:spcPts val="0"/>
-              </a:spcBef>
-              <a:spcAft>
-                <a:spcPts val="0"/>
-              </a:spcAft>
-              <a:buNone/>
-            </a:pPr>
-            <a:r>
-              <a:rPr lang="en"/>
-              <a:t>Course 3 Capstone</a:t>
-            </a:r>
-            <a:endParaRPr/>
-          </a:p>
-        </p:txBody>
-      </p:sp>
-      <p:sp>
-        <p:nvSpPr>
-          <p:cNvPr id="63" name="Google Shape;63;p14"/>
-          <p:cNvSpPr txBox="1">
-            <a:spLocks noGrp="1"/>
-          </p:cNvSpPr>
-          <p:nvPr>
-            <p:ph type="subTitle" idx="1"/>
-          </p:nvPr>
-        </p:nvSpPr>
-        <p:spPr>
-          <a:xfrm>
-            <a:off x="311700" y="2834125"/>
-            <a:ext cx="8520600" cy="792600"/>
-          </a:xfrm>
-          <a:prstGeom prst="rect">
-            <a:avLst/>
-          </a:prstGeom>
-        </p:spPr>
-        <p:txBody>
-          <a:bodyPr spcFirstLastPara="1" wrap="square" lIns="91425" tIns="91425" rIns="91425" bIns="91425" anchor="t" anchorCtr="0">
-            <a:normAutofit/>
-          </a:bodyPr>
-          <a:lstStyle/>
-          <a:p>
-            <a:pPr marL="0" lvl="0" indent="0" algn="ctr" rtl="0">
-              <a:spcBef>
-                <a:spcPts val="0"/>
-              </a:spcBef>
-              <a:spcAft>
-                <a:spcPts val="0"/>
-              </a:spcAft>
-              <a:buNone/>
-            </a:pPr>
-            <a:r>
-              <a:rPr lang="en"/>
-              <a:t>Data Collection</a:t>
-            </a:r>
-            <a:endParaRPr/>
-          </a:p>
-        </p:txBody>
-      </p:sp>
-    </p:spTree>
-  </p:cSld>
-  <p:clrMapOvr>
-    <a:masterClrMapping/>
-  </p:clrMapOvr>
-</p:sld>
-</file>
-
-<file path=ppt/slides/slide20.xml><?xml version="1.0" encoding="utf-8"?>
+<file path=ppt/slides/slide19.xml><?xml version="1.0" encoding="utf-8"?>
 <p:sld xmlns:a="http://schemas.openxmlformats.org/drawingml/2006/main" xmlns:r="http://schemas.openxmlformats.org/officeDocument/2006/relationships" xmlns:p="http://schemas.openxmlformats.org/presentationml/2006/main">
   <p:cSld>
     <p:spTree>
@@ -10563,7 +10683,400 @@
 </p:sld>
 </file>
 
-<file path=ppt/slides/slide21.xml><?xml version="1.0" encoding="utf-8"?>
+<file path=ppt/slides/slide2.xml><?xml version="1.0" encoding="utf-8"?>
+<p:sld xmlns:a="http://schemas.openxmlformats.org/drawingml/2006/main" xmlns:r="http://schemas.openxmlformats.org/officeDocument/2006/relationships" xmlns:p="http://schemas.openxmlformats.org/presentationml/2006/main">
+  <p:cSld>
+    <p:spTree>
+      <p:nvGrpSpPr>
+        <p:cNvPr id="1" name="Shape 67"/>
+        <p:cNvGrpSpPr/>
+        <p:nvPr/>
+      </p:nvGrpSpPr>
+      <p:grpSpPr>
+        <a:xfrm>
+          <a:off x="0" y="0"/>
+          <a:ext cx="0" cy="0"/>
+          <a:chOff x="0" y="0"/>
+          <a:chExt cx="0" cy="0"/>
+        </a:xfrm>
+      </p:grpSpPr>
+      <p:sp>
+        <p:nvSpPr>
+          <p:cNvPr id="68" name="Google Shape;68;p15"/>
+          <p:cNvSpPr txBox="1">
+            <a:spLocks noGrp="1"/>
+          </p:cNvSpPr>
+          <p:nvPr>
+            <p:ph type="title"/>
+          </p:nvPr>
+        </p:nvSpPr>
+        <p:spPr>
+          <a:xfrm>
+            <a:off x="311700" y="445025"/>
+            <a:ext cx="8520600" cy="572700"/>
+          </a:xfrm>
+          <a:prstGeom prst="rect">
+            <a:avLst/>
+          </a:prstGeom>
+        </p:spPr>
+        <p:txBody>
+          <a:bodyPr spcFirstLastPara="1" wrap="square" lIns="91425" tIns="91425" rIns="91425" bIns="91425" anchor="t" anchorCtr="0">
+            <a:noAutofit/>
+          </a:bodyPr>
+          <a:lstStyle/>
+          <a:p>
+            <a:pPr marL="0" lvl="0" indent="0" algn="l" rtl="0">
+              <a:spcBef>
+                <a:spcPts val="0"/>
+              </a:spcBef>
+              <a:spcAft>
+                <a:spcPts val="0"/>
+              </a:spcAft>
+              <a:buNone/>
+            </a:pPr>
+            <a:r>
+              <a:rPr lang="en" sz="2800" dirty="0"/>
+              <a:t>Finding the Middle (</a:t>
+            </a:r>
+            <a:r>
+              <a:rPr lang="en-MY" sz="2800" dirty="0"/>
+              <a:t>Adware Ad Clicks)</a:t>
+            </a:r>
+            <a:endParaRPr sz="2800" dirty="0"/>
+          </a:p>
+        </p:txBody>
+      </p:sp>
+      <p:sp>
+        <p:nvSpPr>
+          <p:cNvPr id="69" name="Google Shape;69;p15"/>
+          <p:cNvSpPr txBox="1">
+            <a:spLocks noGrp="1"/>
+          </p:cNvSpPr>
+          <p:nvPr>
+            <p:ph type="body" idx="1"/>
+          </p:nvPr>
+        </p:nvSpPr>
+        <p:spPr>
+          <a:xfrm>
+            <a:off x="311700" y="1152475"/>
+            <a:ext cx="8520600" cy="714300"/>
+          </a:xfrm>
+          <a:prstGeom prst="rect">
+            <a:avLst/>
+          </a:prstGeom>
+        </p:spPr>
+        <p:txBody>
+          <a:bodyPr spcFirstLastPara="1" wrap="square" lIns="91425" tIns="91425" rIns="91425" bIns="91425" anchor="t" anchorCtr="0">
+            <a:spAutoFit/>
+          </a:bodyPr>
+          <a:lstStyle/>
+          <a:p>
+            <a:pPr marL="0" lvl="0" indent="0" algn="l" rtl="0">
+              <a:spcBef>
+                <a:spcPts val="0"/>
+              </a:spcBef>
+              <a:spcAft>
+                <a:spcPts val="1200"/>
+              </a:spcAft>
+              <a:buNone/>
+            </a:pPr>
+            <a:r>
+              <a:rPr lang="en" sz="1600" dirty="0"/>
+              <a:t>Mean, Median, and Mode help you compare data. Below, list the mean, median, and mode of the clicks in the provided data.</a:t>
+            </a:r>
+            <a:endParaRPr sz="1600" dirty="0"/>
+          </a:p>
+        </p:txBody>
+      </p:sp>
+      <p:sp>
+        <p:nvSpPr>
+          <p:cNvPr id="70" name="Google Shape;70;p15"/>
+          <p:cNvSpPr txBox="1"/>
+          <p:nvPr/>
+        </p:nvSpPr>
+        <p:spPr>
+          <a:xfrm>
+            <a:off x="311700" y="1932775"/>
+            <a:ext cx="7344600" cy="554100"/>
+          </a:xfrm>
+          <a:prstGeom prst="rect">
+            <a:avLst/>
+          </a:prstGeom>
+          <a:noFill/>
+          <a:ln>
+            <a:noFill/>
+          </a:ln>
+        </p:spPr>
+        <p:txBody>
+          <a:bodyPr spcFirstLastPara="1" wrap="square" lIns="91425" tIns="91425" rIns="91425" bIns="91425" anchor="t" anchorCtr="0">
+            <a:spAutoFit/>
+          </a:bodyPr>
+          <a:lstStyle/>
+          <a:p>
+            <a:pPr marL="0" lvl="0" indent="0" algn="l" rtl="0">
+              <a:spcBef>
+                <a:spcPts val="0"/>
+              </a:spcBef>
+              <a:spcAft>
+                <a:spcPts val="0"/>
+              </a:spcAft>
+              <a:buNone/>
+            </a:pPr>
+            <a:r>
+              <a:rPr lang="en" sz="2400" dirty="0">
+                <a:solidFill>
+                  <a:srgbClr val="434343"/>
+                </a:solidFill>
+                <a:latin typeface="DM Sans"/>
+                <a:ea typeface="DM Sans"/>
+                <a:cs typeface="DM Sans"/>
+                <a:sym typeface="DM Sans"/>
+              </a:rPr>
+              <a:t>Mean: 60.38</a:t>
+            </a:r>
+            <a:endParaRPr sz="2400" dirty="0">
+              <a:solidFill>
+                <a:srgbClr val="434343"/>
+              </a:solidFill>
+              <a:latin typeface="DM Sans"/>
+              <a:ea typeface="DM Sans"/>
+              <a:cs typeface="DM Sans"/>
+              <a:sym typeface="DM Sans"/>
+            </a:endParaRPr>
+          </a:p>
+        </p:txBody>
+      </p:sp>
+      <p:sp>
+        <p:nvSpPr>
+          <p:cNvPr id="71" name="Google Shape;71;p15"/>
+          <p:cNvSpPr txBox="1"/>
+          <p:nvPr/>
+        </p:nvSpPr>
+        <p:spPr>
+          <a:xfrm>
+            <a:off x="311700" y="2500788"/>
+            <a:ext cx="7344600" cy="554100"/>
+          </a:xfrm>
+          <a:prstGeom prst="rect">
+            <a:avLst/>
+          </a:prstGeom>
+          <a:noFill/>
+          <a:ln>
+            <a:noFill/>
+          </a:ln>
+        </p:spPr>
+        <p:txBody>
+          <a:bodyPr spcFirstLastPara="1" wrap="square" lIns="91425" tIns="91425" rIns="91425" bIns="91425" anchor="t" anchorCtr="0">
+            <a:spAutoFit/>
+          </a:bodyPr>
+          <a:lstStyle/>
+          <a:p>
+            <a:pPr marL="0" lvl="0" indent="0" algn="l" rtl="0">
+              <a:spcBef>
+                <a:spcPts val="0"/>
+              </a:spcBef>
+              <a:spcAft>
+                <a:spcPts val="0"/>
+              </a:spcAft>
+              <a:buNone/>
+            </a:pPr>
+            <a:r>
+              <a:rPr lang="en" sz="2400" dirty="0">
+                <a:solidFill>
+                  <a:srgbClr val="434343"/>
+                </a:solidFill>
+                <a:latin typeface="DM Sans"/>
+                <a:ea typeface="DM Sans"/>
+                <a:cs typeface="DM Sans"/>
+                <a:sym typeface="DM Sans"/>
+              </a:rPr>
+              <a:t>Median: 60.00</a:t>
+            </a:r>
+            <a:endParaRPr sz="2400" dirty="0">
+              <a:solidFill>
+                <a:srgbClr val="434343"/>
+              </a:solidFill>
+              <a:latin typeface="DM Sans"/>
+              <a:ea typeface="DM Sans"/>
+              <a:cs typeface="DM Sans"/>
+              <a:sym typeface="DM Sans"/>
+            </a:endParaRPr>
+          </a:p>
+        </p:txBody>
+      </p:sp>
+      <p:sp>
+        <p:nvSpPr>
+          <p:cNvPr id="72" name="Google Shape;72;p15"/>
+          <p:cNvSpPr txBox="1"/>
+          <p:nvPr/>
+        </p:nvSpPr>
+        <p:spPr>
+          <a:xfrm>
+            <a:off x="311700" y="3068800"/>
+            <a:ext cx="7344600" cy="554100"/>
+          </a:xfrm>
+          <a:prstGeom prst="rect">
+            <a:avLst/>
+          </a:prstGeom>
+          <a:noFill/>
+          <a:ln>
+            <a:noFill/>
+          </a:ln>
+        </p:spPr>
+        <p:txBody>
+          <a:bodyPr spcFirstLastPara="1" wrap="square" lIns="91425" tIns="91425" rIns="91425" bIns="91425" anchor="t" anchorCtr="0">
+            <a:spAutoFit/>
+          </a:bodyPr>
+          <a:lstStyle/>
+          <a:p>
+            <a:pPr marL="0" lvl="0" indent="0" algn="l" rtl="0">
+              <a:spcBef>
+                <a:spcPts val="0"/>
+              </a:spcBef>
+              <a:spcAft>
+                <a:spcPts val="0"/>
+              </a:spcAft>
+              <a:buNone/>
+            </a:pPr>
+            <a:r>
+              <a:rPr lang="en" sz="2400" dirty="0">
+                <a:solidFill>
+                  <a:srgbClr val="434343"/>
+                </a:solidFill>
+                <a:latin typeface="DM Sans"/>
+                <a:ea typeface="DM Sans"/>
+                <a:cs typeface="DM Sans"/>
+                <a:sym typeface="DM Sans"/>
+              </a:rPr>
+              <a:t>Mode: 78</a:t>
+            </a:r>
+            <a:endParaRPr sz="2400" dirty="0">
+              <a:solidFill>
+                <a:srgbClr val="434343"/>
+              </a:solidFill>
+              <a:latin typeface="DM Sans"/>
+              <a:ea typeface="DM Sans"/>
+              <a:cs typeface="DM Sans"/>
+              <a:sym typeface="DM Sans"/>
+            </a:endParaRPr>
+          </a:p>
+        </p:txBody>
+      </p:sp>
+      <p:sp>
+        <p:nvSpPr>
+          <p:cNvPr id="3" name="Rectangle 2">
+            <a:extLst>
+              <a:ext uri="{FF2B5EF4-FFF2-40B4-BE49-F238E27FC236}">
+                <a16:creationId xmlns:a16="http://schemas.microsoft.com/office/drawing/2014/main" id="{180D744D-3093-4302-98AB-A827848C7ED2}"/>
+              </a:ext>
+            </a:extLst>
+          </p:cNvPr>
+          <p:cNvSpPr>
+            <a:spLocks noChangeArrowheads="1"/>
+          </p:cNvSpPr>
+          <p:nvPr/>
+        </p:nvSpPr>
+        <p:spPr bwMode="auto">
+          <a:xfrm>
+            <a:off x="152400" y="288666"/>
+            <a:ext cx="205505" cy="184666"/>
+          </a:xfrm>
+          <a:prstGeom prst="rect">
+            <a:avLst/>
+          </a:prstGeom>
+          <a:noFill/>
+          <a:ln>
+            <a:noFill/>
+          </a:ln>
+          <a:effectLst/>
+          <a:extLst>
+            <a:ext uri="{909E8E84-426E-40DD-AFC4-6F175D3DCCD1}">
+              <a14:hiddenFill xmlns:a14="http://schemas.microsoft.com/office/drawing/2010/main">
+                <a:solidFill>
+                  <a:schemeClr val="accent1"/>
+                </a:solidFill>
+              </a14:hiddenFill>
+            </a:ext>
+            <a:ext uri="{91240B29-F687-4F45-9708-019B960494DF}">
+              <a14:hiddenLine xmlns:a14="http://schemas.microsoft.com/office/drawing/2010/main" w="9525">
+                <a:solidFill>
+                  <a:schemeClr val="tx1"/>
+                </a:solidFill>
+                <a:miter lim="800000"/>
+                <a:headEnd/>
+                <a:tailEnd/>
+              </a14:hiddenLine>
+            </a:ext>
+            <a:ext uri="{AF507438-7753-43E0-B8FC-AC1667EBCBE1}">
+              <a14:hiddenEffects xmlns:a14="http://schemas.microsoft.com/office/drawing/2010/main">
+                <a:effectLst>
+                  <a:outerShdw dist="35921" dir="2700000" algn="ctr" rotWithShape="0">
+                    <a:schemeClr val="bg2"/>
+                  </a:outerShdw>
+                </a:effectLst>
+              </a14:hiddenEffects>
+            </a:ext>
+          </a:extLst>
+        </p:spPr>
+        <p:txBody>
+          <a:bodyPr vert="horz" wrap="none" lIns="91440" tIns="45720" rIns="91440" bIns="45720" numCol="1" anchor="ctr" anchorCtr="0" compatLnSpc="1">
+            <a:prstTxWarp prst="textNoShape">
+              <a:avLst/>
+            </a:prstTxWarp>
+            <a:spAutoFit/>
+          </a:bodyPr>
+          <a:lstStyle/>
+          <a:p>
+            <a:pPr marL="0" marR="0" lvl="0" indent="0" algn="l" defTabSz="914400" rtl="0" eaLnBrk="0" fontAlgn="base" latinLnBrk="0" hangingPunct="0">
+              <a:lnSpc>
+                <a:spcPct val="100000"/>
+              </a:lnSpc>
+              <a:spcBef>
+                <a:spcPct val="0"/>
+              </a:spcBef>
+              <a:spcAft>
+                <a:spcPct val="0"/>
+              </a:spcAft>
+              <a:buClrTx/>
+              <a:buSzTx/>
+              <a:buFontTx/>
+              <a:buNone/>
+              <a:tabLst/>
+            </a:pPr>
+            <a:r>
+              <a:rPr kumimoji="0" lang="en-US" altLang="en-US" sz="600" b="0" i="0" u="none" strike="noStrike" cap="none" normalizeH="0" baseline="0" dirty="0">
+                <a:ln>
+                  <a:noFill/>
+                </a:ln>
+                <a:solidFill>
+                  <a:schemeClr val="tx1"/>
+                </a:solidFill>
+                <a:effectLst/>
+              </a:rPr>
+              <a:t> </a:t>
+            </a:r>
+            <a:endParaRPr kumimoji="0" lang="en-US" altLang="en-US" sz="1800" b="0" i="0" u="none" strike="noStrike" cap="none" normalizeH="0" baseline="0" dirty="0">
+              <a:ln>
+                <a:noFill/>
+              </a:ln>
+              <a:solidFill>
+                <a:schemeClr val="tx1"/>
+              </a:solidFill>
+              <a:effectLst/>
+              <a:latin typeface="Arial" panose="020B0604020202020204" pitchFamily="34" charset="0"/>
+            </a:endParaRPr>
+          </a:p>
+        </p:txBody>
+      </p:sp>
+    </p:spTree>
+  </p:cSld>
+  <p:clrMapOvr>
+    <a:masterClrMapping/>
+  </p:clrMapOvr>
+</p:sld>
+</file>
+
+<file path=ppt/slides/slide20.xml><?xml version="1.0" encoding="utf-8"?>
 <p:sld xmlns:a="http://schemas.openxmlformats.org/drawingml/2006/main" xmlns:r="http://schemas.openxmlformats.org/officeDocument/2006/relationships" xmlns:p="http://schemas.openxmlformats.org/presentationml/2006/main">
   <p:cSld>
     <p:spTree>
@@ -10657,10 +11170,10 @@
               <a:buNone/>
             </a:pPr>
             <a:r>
-              <a:rPr lang="en" sz="1600"/>
+              <a:rPr lang="en" sz="1600" dirty="0"/>
               <a:t>Now, knowing what you do about the results of your test, what are the final insights that you would share with your client? What did you learn and what would you recommend? Is there anything you would do differently next time?</a:t>
             </a:r>
-            <a:endParaRPr sz="1600"/>
+            <a:endParaRPr sz="1600" dirty="0"/>
           </a:p>
         </p:txBody>
       </p:sp>
@@ -10705,7 +11218,7 @@
               <a:buNone/>
             </a:pPr>
             <a:r>
-              <a:rPr lang="en" sz="1200">
+              <a:rPr lang="en" sz="1800" dirty="0">
                 <a:solidFill>
                   <a:srgbClr val="0A004A"/>
                 </a:solidFill>
@@ -10714,9 +11227,119 @@
                 <a:cs typeface="DM Sans"/>
                 <a:sym typeface="DM Sans"/>
               </a:rPr>
-              <a:t>Enter your insights here:</a:t>
+              <a:t>From </a:t>
             </a:r>
-            <a:endParaRPr sz="1200">
+            <a:r>
+              <a:rPr lang="en" sz="1800">
+                <a:solidFill>
+                  <a:srgbClr val="0A004A"/>
+                </a:solidFill>
+                <a:latin typeface="DM Sans"/>
+                <a:ea typeface="DM Sans"/>
+                <a:cs typeface="DM Sans"/>
+                <a:sym typeface="DM Sans"/>
+              </a:rPr>
+              <a:t>hypothesis testing </a:t>
+            </a:r>
+            <a:r>
+              <a:rPr lang="en" sz="1800" dirty="0">
+                <a:solidFill>
+                  <a:srgbClr val="0A004A"/>
+                </a:solidFill>
+                <a:latin typeface="DM Sans"/>
+                <a:ea typeface="DM Sans"/>
+                <a:cs typeface="DM Sans"/>
+                <a:sym typeface="DM Sans"/>
+              </a:rPr>
+              <a:t>done, we have found out that Facebook Ad has better conversion results than AdWare Ad.</a:t>
+            </a:r>
+          </a:p>
+          <a:p>
+            <a:pPr marL="0" lvl="0" indent="0" algn="l" rtl="0">
+              <a:spcBef>
+                <a:spcPts val="0"/>
+              </a:spcBef>
+              <a:spcAft>
+                <a:spcPts val="0"/>
+              </a:spcAft>
+              <a:buNone/>
+            </a:pPr>
+            <a:endParaRPr lang="en" sz="1800" dirty="0">
+              <a:solidFill>
+                <a:srgbClr val="0A004A"/>
+              </a:solidFill>
+              <a:latin typeface="DM Sans"/>
+              <a:ea typeface="DM Sans"/>
+              <a:cs typeface="DM Sans"/>
+              <a:sym typeface="DM Sans"/>
+            </a:endParaRPr>
+          </a:p>
+          <a:p>
+            <a:pPr marL="0" lvl="0" indent="0" algn="l" rtl="0">
+              <a:spcBef>
+                <a:spcPts val="0"/>
+              </a:spcBef>
+              <a:spcAft>
+                <a:spcPts val="0"/>
+              </a:spcAft>
+              <a:buNone/>
+            </a:pPr>
+            <a:r>
+              <a:rPr lang="en" sz="1800" dirty="0">
+                <a:solidFill>
+                  <a:srgbClr val="0A004A"/>
+                </a:solidFill>
+                <a:latin typeface="DM Sans"/>
+                <a:ea typeface="DM Sans"/>
+                <a:cs typeface="DM Sans"/>
+                <a:sym typeface="DM Sans"/>
+              </a:rPr>
+              <a:t>We recommend the company use Facebook Ad to advertise and market their products and services to customers.</a:t>
+            </a:r>
+          </a:p>
+          <a:p>
+            <a:pPr marL="0" lvl="0" indent="0" algn="l" rtl="0">
+              <a:spcBef>
+                <a:spcPts val="0"/>
+              </a:spcBef>
+              <a:spcAft>
+                <a:spcPts val="0"/>
+              </a:spcAft>
+              <a:buNone/>
+            </a:pPr>
+            <a:endParaRPr lang="en" sz="1800" dirty="0">
+              <a:solidFill>
+                <a:srgbClr val="0A004A"/>
+              </a:solidFill>
+              <a:latin typeface="DM Sans"/>
+              <a:ea typeface="DM Sans"/>
+              <a:cs typeface="DM Sans"/>
+              <a:sym typeface="DM Sans"/>
+            </a:endParaRPr>
+          </a:p>
+          <a:p>
+            <a:pPr marL="0" lvl="0" indent="0" algn="l" rtl="0">
+              <a:spcBef>
+                <a:spcPts val="0"/>
+              </a:spcBef>
+              <a:spcAft>
+                <a:spcPts val="0"/>
+              </a:spcAft>
+              <a:buNone/>
+            </a:pPr>
+            <a:r>
+              <a:rPr lang="en" sz="1800" dirty="0">
+                <a:solidFill>
+                  <a:srgbClr val="0A004A"/>
+                </a:solidFill>
+                <a:latin typeface="DM Sans"/>
+                <a:ea typeface="DM Sans"/>
+                <a:cs typeface="DM Sans"/>
+                <a:sym typeface="DM Sans"/>
+              </a:rPr>
+              <a:t>We can do several more comparisons with other equivalent online advertisements to find out its effectiveness.</a:t>
+            </a:r>
+            <a:endParaRPr sz="1800" dirty="0">
               <a:solidFill>
                 <a:srgbClr val="0A004A"/>
               </a:solidFill>
@@ -10737,289 +11360,6 @@
 </file>
 
 <file path=ppt/slides/slide3.xml><?xml version="1.0" encoding="utf-8"?>
-<p:sld xmlns:a="http://schemas.openxmlformats.org/drawingml/2006/main" xmlns:r="http://schemas.openxmlformats.org/officeDocument/2006/relationships" xmlns:p="http://schemas.openxmlformats.org/presentationml/2006/main">
-  <p:cSld>
-    <p:spTree>
-      <p:nvGrpSpPr>
-        <p:cNvPr id="1" name="Shape 67"/>
-        <p:cNvGrpSpPr/>
-        <p:nvPr/>
-      </p:nvGrpSpPr>
-      <p:grpSpPr>
-        <a:xfrm>
-          <a:off x="0" y="0"/>
-          <a:ext cx="0" cy="0"/>
-          <a:chOff x="0" y="0"/>
-          <a:chExt cx="0" cy="0"/>
-        </a:xfrm>
-      </p:grpSpPr>
-      <p:sp>
-        <p:nvSpPr>
-          <p:cNvPr id="68" name="Google Shape;68;p15"/>
-          <p:cNvSpPr txBox="1">
-            <a:spLocks noGrp="1"/>
-          </p:cNvSpPr>
-          <p:nvPr>
-            <p:ph type="title"/>
-          </p:nvPr>
-        </p:nvSpPr>
-        <p:spPr>
-          <a:xfrm>
-            <a:off x="311700" y="445025"/>
-            <a:ext cx="8520600" cy="572700"/>
-          </a:xfrm>
-          <a:prstGeom prst="rect">
-            <a:avLst/>
-          </a:prstGeom>
-        </p:spPr>
-        <p:txBody>
-          <a:bodyPr spcFirstLastPara="1" wrap="square" lIns="91425" tIns="91425" rIns="91425" bIns="91425" anchor="t" anchorCtr="0">
-            <a:noAutofit/>
-          </a:bodyPr>
-          <a:lstStyle/>
-          <a:p>
-            <a:pPr marL="0" lvl="0" indent="0" algn="l" rtl="0">
-              <a:spcBef>
-                <a:spcPts val="0"/>
-              </a:spcBef>
-              <a:spcAft>
-                <a:spcPts val="0"/>
-              </a:spcAft>
-              <a:buNone/>
-            </a:pPr>
-            <a:r>
-              <a:rPr lang="en" sz="2800"/>
-              <a:t>Finding the Middle</a:t>
-            </a:r>
-            <a:endParaRPr sz="2800"/>
-          </a:p>
-        </p:txBody>
-      </p:sp>
-      <p:sp>
-        <p:nvSpPr>
-          <p:cNvPr id="69" name="Google Shape;69;p15"/>
-          <p:cNvSpPr txBox="1">
-            <a:spLocks noGrp="1"/>
-          </p:cNvSpPr>
-          <p:nvPr>
-            <p:ph type="body" idx="1"/>
-          </p:nvPr>
-        </p:nvSpPr>
-        <p:spPr>
-          <a:xfrm>
-            <a:off x="311700" y="1152475"/>
-            <a:ext cx="8520600" cy="714300"/>
-          </a:xfrm>
-          <a:prstGeom prst="rect">
-            <a:avLst/>
-          </a:prstGeom>
-        </p:spPr>
-        <p:txBody>
-          <a:bodyPr spcFirstLastPara="1" wrap="square" lIns="91425" tIns="91425" rIns="91425" bIns="91425" anchor="t" anchorCtr="0">
-            <a:spAutoFit/>
-          </a:bodyPr>
-          <a:lstStyle/>
-          <a:p>
-            <a:pPr marL="0" lvl="0" indent="0" algn="l" rtl="0">
-              <a:spcBef>
-                <a:spcPts val="0"/>
-              </a:spcBef>
-              <a:spcAft>
-                <a:spcPts val="1200"/>
-              </a:spcAft>
-              <a:buNone/>
-            </a:pPr>
-            <a:r>
-              <a:rPr lang="en" sz="1600"/>
-              <a:t>Mean, Median, and Mode help you compare data. Below, list the mean, median, and mode of the clicks in the provided data.</a:t>
-            </a:r>
-            <a:endParaRPr sz="1600"/>
-          </a:p>
-        </p:txBody>
-      </p:sp>
-      <p:sp>
-        <p:nvSpPr>
-          <p:cNvPr id="70" name="Google Shape;70;p15"/>
-          <p:cNvSpPr txBox="1"/>
-          <p:nvPr/>
-        </p:nvSpPr>
-        <p:spPr>
-          <a:xfrm>
-            <a:off x="311700" y="1932775"/>
-            <a:ext cx="7344600" cy="554100"/>
-          </a:xfrm>
-          <a:prstGeom prst="rect">
-            <a:avLst/>
-          </a:prstGeom>
-          <a:noFill/>
-          <a:ln>
-            <a:noFill/>
-          </a:ln>
-        </p:spPr>
-        <p:txBody>
-          <a:bodyPr spcFirstLastPara="1" wrap="square" lIns="91425" tIns="91425" rIns="91425" bIns="91425" anchor="t" anchorCtr="0">
-            <a:spAutoFit/>
-          </a:bodyPr>
-          <a:lstStyle/>
-          <a:p>
-            <a:pPr marL="0" lvl="0" indent="0" algn="l" rtl="0">
-              <a:spcBef>
-                <a:spcPts val="0"/>
-              </a:spcBef>
-              <a:spcAft>
-                <a:spcPts val="0"/>
-              </a:spcAft>
-              <a:buNone/>
-            </a:pPr>
-            <a:r>
-              <a:rPr lang="en" sz="2400">
-                <a:solidFill>
-                  <a:srgbClr val="434343"/>
-                </a:solidFill>
-                <a:latin typeface="DM Sans"/>
-                <a:ea typeface="DM Sans"/>
-                <a:cs typeface="DM Sans"/>
-                <a:sym typeface="DM Sans"/>
-              </a:rPr>
-              <a:t>Mean: xx</a:t>
-            </a:r>
-            <a:endParaRPr sz="2400">
-              <a:solidFill>
-                <a:srgbClr val="434343"/>
-              </a:solidFill>
-              <a:latin typeface="DM Sans"/>
-              <a:ea typeface="DM Sans"/>
-              <a:cs typeface="DM Sans"/>
-              <a:sym typeface="DM Sans"/>
-            </a:endParaRPr>
-          </a:p>
-        </p:txBody>
-      </p:sp>
-      <p:sp>
-        <p:nvSpPr>
-          <p:cNvPr id="71" name="Google Shape;71;p15"/>
-          <p:cNvSpPr txBox="1"/>
-          <p:nvPr/>
-        </p:nvSpPr>
-        <p:spPr>
-          <a:xfrm>
-            <a:off x="311700" y="2500788"/>
-            <a:ext cx="7344600" cy="554100"/>
-          </a:xfrm>
-          <a:prstGeom prst="rect">
-            <a:avLst/>
-          </a:prstGeom>
-          <a:noFill/>
-          <a:ln>
-            <a:noFill/>
-          </a:ln>
-        </p:spPr>
-        <p:txBody>
-          <a:bodyPr spcFirstLastPara="1" wrap="square" lIns="91425" tIns="91425" rIns="91425" bIns="91425" anchor="t" anchorCtr="0">
-            <a:spAutoFit/>
-          </a:bodyPr>
-          <a:lstStyle/>
-          <a:p>
-            <a:pPr marL="0" lvl="0" indent="0" algn="l" rtl="0">
-              <a:spcBef>
-                <a:spcPts val="0"/>
-              </a:spcBef>
-              <a:spcAft>
-                <a:spcPts val="0"/>
-              </a:spcAft>
-              <a:buNone/>
-            </a:pPr>
-            <a:r>
-              <a:rPr lang="en" sz="2400">
-                <a:solidFill>
-                  <a:srgbClr val="434343"/>
-                </a:solidFill>
-                <a:latin typeface="DM Sans"/>
-                <a:ea typeface="DM Sans"/>
-                <a:cs typeface="DM Sans"/>
-                <a:sym typeface="DM Sans"/>
-              </a:rPr>
-              <a:t>Median: xx</a:t>
-            </a:r>
-            <a:endParaRPr sz="2400">
-              <a:solidFill>
-                <a:srgbClr val="434343"/>
-              </a:solidFill>
-              <a:latin typeface="DM Sans"/>
-              <a:ea typeface="DM Sans"/>
-              <a:cs typeface="DM Sans"/>
-              <a:sym typeface="DM Sans"/>
-            </a:endParaRPr>
-          </a:p>
-        </p:txBody>
-      </p:sp>
-      <p:sp>
-        <p:nvSpPr>
-          <p:cNvPr id="72" name="Google Shape;72;p15"/>
-          <p:cNvSpPr txBox="1"/>
-          <p:nvPr/>
-        </p:nvSpPr>
-        <p:spPr>
-          <a:xfrm>
-            <a:off x="311700" y="3068800"/>
-            <a:ext cx="7344600" cy="554100"/>
-          </a:xfrm>
-          <a:prstGeom prst="rect">
-            <a:avLst/>
-          </a:prstGeom>
-          <a:noFill/>
-          <a:ln>
-            <a:noFill/>
-          </a:ln>
-        </p:spPr>
-        <p:txBody>
-          <a:bodyPr spcFirstLastPara="1" wrap="square" lIns="91425" tIns="91425" rIns="91425" bIns="91425" anchor="t" anchorCtr="0">
-            <a:spAutoFit/>
-          </a:bodyPr>
-          <a:lstStyle/>
-          <a:p>
-            <a:pPr marL="0" lvl="0" indent="0" algn="l" rtl="0">
-              <a:spcBef>
-                <a:spcPts val="0"/>
-              </a:spcBef>
-              <a:spcAft>
-                <a:spcPts val="0"/>
-              </a:spcAft>
-              <a:buNone/>
-            </a:pPr>
-            <a:r>
-              <a:rPr lang="en" sz="2400">
-                <a:solidFill>
-                  <a:srgbClr val="434343"/>
-                </a:solidFill>
-                <a:latin typeface="DM Sans"/>
-                <a:ea typeface="DM Sans"/>
-                <a:cs typeface="DM Sans"/>
-                <a:sym typeface="DM Sans"/>
-              </a:rPr>
-              <a:t>Mode: xx</a:t>
-            </a:r>
-            <a:endParaRPr sz="2400">
-              <a:solidFill>
-                <a:srgbClr val="434343"/>
-              </a:solidFill>
-              <a:latin typeface="DM Sans"/>
-              <a:ea typeface="DM Sans"/>
-              <a:cs typeface="DM Sans"/>
-              <a:sym typeface="DM Sans"/>
-            </a:endParaRPr>
-          </a:p>
-        </p:txBody>
-      </p:sp>
-    </p:spTree>
-  </p:cSld>
-  <p:clrMapOvr>
-    <a:masterClrMapping/>
-  </p:clrMapOvr>
-</p:sld>
-</file>
-
-<file path=ppt/slides/slide4.xml><?xml version="1.0" encoding="utf-8"?>
 <p:sld xmlns:a="http://schemas.openxmlformats.org/drawingml/2006/main" xmlns:r="http://schemas.openxmlformats.org/officeDocument/2006/relationships" xmlns:p="http://schemas.openxmlformats.org/presentationml/2006/main">
   <p:cSld>
     <p:spTree>
@@ -11071,10 +11411,14 @@
               <a:buNone/>
             </a:pPr>
             <a:r>
-              <a:rPr lang="en" sz="2800"/>
-              <a:t>Finding the Middle</a:t>
+              <a:rPr lang="en" sz="2800" dirty="0"/>
+              <a:t>Finding the Middle (</a:t>
             </a:r>
-            <a:endParaRPr sz="2800"/>
+            <a:r>
+              <a:rPr lang="en-MY" sz="2800" dirty="0"/>
+              <a:t>Adware Ad Conversions)</a:t>
+            </a:r>
+            <a:endParaRPr sz="2800" dirty="0"/>
           </a:p>
         </p:txBody>
       </p:sp>
@@ -11155,7 +11499,7 @@
               <a:buNone/>
             </a:pPr>
             <a:r>
-              <a:rPr lang="en" sz="2400">
+              <a:rPr lang="en" sz="2400" dirty="0">
                 <a:solidFill>
                   <a:srgbClr val="434343"/>
                 </a:solidFill>
@@ -11164,9 +11508,9 @@
                 <a:cs typeface="DM Sans"/>
                 <a:sym typeface="DM Sans"/>
               </a:rPr>
-              <a:t>Mean: xx</a:t>
+              <a:t>Mean: 5.98</a:t>
             </a:r>
-            <a:endParaRPr sz="2400">
+            <a:endParaRPr sz="2400" dirty="0">
               <a:solidFill>
                 <a:srgbClr val="434343"/>
               </a:solidFill>
@@ -11213,7 +11557,7 @@
               <a:buNone/>
             </a:pPr>
             <a:r>
-              <a:rPr lang="en" sz="2400">
+              <a:rPr lang="en" sz="2400" dirty="0">
                 <a:solidFill>
                   <a:srgbClr val="434343"/>
                 </a:solidFill>
@@ -11222,9 +11566,9 @@
                 <a:cs typeface="DM Sans"/>
                 <a:sym typeface="DM Sans"/>
               </a:rPr>
-              <a:t>Median: xx</a:t>
+              <a:t>Median: 6.00</a:t>
             </a:r>
-            <a:endParaRPr sz="2400">
+            <a:endParaRPr sz="2400" dirty="0">
               <a:solidFill>
                 <a:srgbClr val="434343"/>
               </a:solidFill>
@@ -11271,7 +11615,7 @@
               <a:buNone/>
             </a:pPr>
             <a:r>
-              <a:rPr lang="en" sz="2400">
+              <a:rPr lang="en" sz="2400" dirty="0">
                 <a:solidFill>
                   <a:srgbClr val="434343"/>
                 </a:solidFill>
@@ -11280,9 +11624,9 @@
                 <a:cs typeface="DM Sans"/>
                 <a:sym typeface="DM Sans"/>
               </a:rPr>
-              <a:t>Mode: xx</a:t>
+              <a:t>Mode: 5</a:t>
             </a:r>
-            <a:endParaRPr sz="2400">
+            <a:endParaRPr sz="2400" dirty="0">
               <a:solidFill>
                 <a:srgbClr val="434343"/>
               </a:solidFill>
@@ -11302,7 +11646,7 @@
 </p:sld>
 </file>
 
-<file path=ppt/slides/slide5.xml><?xml version="1.0" encoding="utf-8"?>
+<file path=ppt/slides/slide4.xml><?xml version="1.0" encoding="utf-8"?>
 <p:sld xmlns:a="http://schemas.openxmlformats.org/drawingml/2006/main" xmlns:r="http://schemas.openxmlformats.org/officeDocument/2006/relationships" xmlns:p="http://schemas.openxmlformats.org/presentationml/2006/main">
   <p:cSld>
     <p:spTree>
@@ -11374,7 +11718,7 @@
         <p:spPr>
           <a:xfrm>
             <a:off x="311700" y="1152475"/>
-            <a:ext cx="8520600" cy="714300"/>
+            <a:ext cx="8520600" cy="940227"/>
           </a:xfrm>
           <a:prstGeom prst="rect">
             <a:avLst/>
@@ -11396,22 +11740,18 @@
               <a:buNone/>
             </a:pPr>
             <a:r>
-              <a:rPr lang="en" sz="1600"/>
+              <a:rPr lang="en" sz="1600" dirty="0"/>
               <a:t>Determining variance in data helps you </a:t>
             </a:r>
             <a:r>
-              <a:rPr lang="en" sz="1600">
-                <a:highlight>
-                  <a:srgbClr val="FFDE00"/>
-                </a:highlight>
-              </a:rPr>
-              <a:t>[why this is helpful]</a:t>
+              <a:rPr lang="en" dirty="0"/>
+              <a:t>to look at data spread</a:t>
             </a:r>
             <a:r>
-              <a:rPr lang="en" sz="1600"/>
+              <a:rPr lang="en" sz="1600" dirty="0"/>
               <a:t>. Below, enter the standard deviation of the provided data. </a:t>
             </a:r>
-            <a:endParaRPr sz="1600"/>
+            <a:endParaRPr sz="1600" dirty="0"/>
           </a:p>
         </p:txBody>
       </p:sp>
@@ -11450,7 +11790,7 @@
               <a:buNone/>
             </a:pPr>
             <a:r>
-              <a:rPr lang="en" sz="2400">
+              <a:rPr lang="en" sz="2400" dirty="0">
                 <a:solidFill>
                   <a:srgbClr val="434343"/>
                 </a:solidFill>
@@ -11459,9 +11799,9 @@
                 <a:cs typeface="DM Sans"/>
                 <a:sym typeface="DM Sans"/>
               </a:rPr>
-              <a:t>Standard Deviation of Clicks: xx</a:t>
+              <a:t>Standard Deviation of Clicks: 14.37</a:t>
             </a:r>
-            <a:endParaRPr sz="2400">
+            <a:endParaRPr sz="2400" dirty="0">
               <a:solidFill>
                 <a:srgbClr val="434343"/>
               </a:solidFill>
@@ -11508,7 +11848,7 @@
               <a:buNone/>
             </a:pPr>
             <a:r>
-              <a:rPr lang="en" sz="2400">
+              <a:rPr lang="en" sz="2400" dirty="0">
                 <a:solidFill>
                   <a:srgbClr val="434343"/>
                 </a:solidFill>
@@ -11517,9 +11857,9 @@
                 <a:cs typeface="DM Sans"/>
                 <a:sym typeface="DM Sans"/>
               </a:rPr>
-              <a:t>Standard Deviation of Conversions: xx</a:t>
+              <a:t>Standard Deviation of Conversions: 1.63</a:t>
             </a:r>
-            <a:endParaRPr sz="2400">
+            <a:endParaRPr sz="2400" dirty="0">
               <a:solidFill>
                 <a:srgbClr val="434343"/>
               </a:solidFill>
@@ -11539,7 +11879,7 @@
 </p:sld>
 </file>
 
-<file path=ppt/slides/slide6.xml><?xml version="1.0" encoding="utf-8"?>
+<file path=ppt/slides/slide5.xml><?xml version="1.0" encoding="utf-8"?>
 <p:sld xmlns:a="http://schemas.openxmlformats.org/drawingml/2006/main" xmlns:r="http://schemas.openxmlformats.org/officeDocument/2006/relationships" xmlns:p="http://schemas.openxmlformats.org/presentationml/2006/main">
   <p:cSld>
     <p:spTree>
@@ -11647,17 +11987,14 @@
           <p:nvPr/>
         </p:nvPicPr>
         <p:blipFill>
-          <a:blip r:embed="rId3">
-            <a:alphaModFix/>
-          </a:blip>
-          <a:stretch>
-            <a:fillRect/>
-          </a:stretch>
+          <a:blip r:embed="rId3"/>
+          <a:srcRect/>
+          <a:stretch/>
         </p:blipFill>
         <p:spPr>
           <a:xfrm>
-            <a:off x="2643900" y="2001525"/>
-            <a:ext cx="3856176" cy="2892125"/>
+            <a:off x="1615966" y="1805152"/>
+            <a:ext cx="5849006" cy="3129455"/>
           </a:xfrm>
           <a:prstGeom prst="rect">
             <a:avLst/>
@@ -11676,7 +12013,7 @@
 </p:sld>
 </file>
 
-<file path=ppt/slides/slide7.xml><?xml version="1.0" encoding="utf-8"?>
+<file path=ppt/slides/slide6.xml><?xml version="1.0" encoding="utf-8"?>
 <p:sld xmlns:a="http://schemas.openxmlformats.org/drawingml/2006/main" xmlns:r="http://schemas.openxmlformats.org/officeDocument/2006/relationships" xmlns:p="http://schemas.openxmlformats.org/presentationml/2006/main">
   <p:cSld>
     <p:spTree>
@@ -11748,7 +12085,7 @@
         <p:spPr>
           <a:xfrm>
             <a:off x="311700" y="1152475"/>
-            <a:ext cx="8520600" cy="997500"/>
+            <a:ext cx="8520600" cy="1294170"/>
           </a:xfrm>
           <a:prstGeom prst="rect">
             <a:avLst/>
@@ -11770,22 +12107,10 @@
               <a:buNone/>
             </a:pPr>
             <a:r>
-              <a:rPr lang="en" sz="1600"/>
-              <a:t>Understanding the </a:t>
+              <a:rPr lang="en" dirty="0"/>
+              <a:t>Understanding the relationships between data is important to understanding trends and patterns. Create and insert a scatter plot generated from your data. Then, include the input the correlation coefficient as well.</a:t>
             </a:r>
-            <a:r>
-              <a:rPr lang="en" sz="1600">
-                <a:highlight>
-                  <a:srgbClr val="FFDE00"/>
-                </a:highlight>
-              </a:rPr>
-              <a:t>relationships between data is important to understanding trends and patterns</a:t>
-            </a:r>
-            <a:r>
-              <a:rPr lang="en" sz="1600"/>
-              <a:t>. Create and insert a scatter plot generated from your data. Then, include the input the correlation coefficient as well.</a:t>
-            </a:r>
-            <a:endParaRPr sz="1600"/>
+            <a:endParaRPr dirty="0"/>
           </a:p>
         </p:txBody>
       </p:sp>
@@ -11824,7 +12149,7 @@
               <a:buNone/>
             </a:pPr>
             <a:r>
-              <a:rPr lang="en" sz="1800">
+              <a:rPr lang="en" sz="1800" dirty="0">
                 <a:solidFill>
                   <a:srgbClr val="434343"/>
                 </a:solidFill>
@@ -11833,9 +12158,9 @@
                 <a:cs typeface="DM Sans"/>
                 <a:sym typeface="DM Sans"/>
               </a:rPr>
-              <a:t>Correlation coefficient: xx</a:t>
+              <a:t>Correlation coefficient: 0.45</a:t>
             </a:r>
-            <a:endParaRPr sz="1800">
+            <a:endParaRPr sz="1800" dirty="0">
               <a:solidFill>
                 <a:srgbClr val="434343"/>
               </a:solidFill>
@@ -11854,17 +12179,14 @@
           <p:nvPr/>
         </p:nvPicPr>
         <p:blipFill>
-          <a:blip r:embed="rId3">
-            <a:alphaModFix/>
-          </a:blip>
-          <a:stretch>
-            <a:fillRect/>
-          </a:stretch>
+          <a:blip r:embed="rId3"/>
+          <a:srcRect/>
+          <a:stretch/>
         </p:blipFill>
         <p:spPr>
           <a:xfrm>
-            <a:off x="4792475" y="2382475"/>
-            <a:ext cx="3190474" cy="2392850"/>
+            <a:off x="4792475" y="2388629"/>
+            <a:ext cx="3190474" cy="2380542"/>
           </a:xfrm>
           <a:prstGeom prst="rect">
             <a:avLst/>
@@ -11941,7 +12263,7 @@
 </p:sld>
 </file>
 
-<file path=ppt/slides/slide8.xml><?xml version="1.0" encoding="utf-8"?>
+<file path=ppt/slides/slide7.xml><?xml version="1.0" encoding="utf-8"?>
 <p:sld xmlns:a="http://schemas.openxmlformats.org/drawingml/2006/main" xmlns:r="http://schemas.openxmlformats.org/officeDocument/2006/relationships" xmlns:p="http://schemas.openxmlformats.org/presentationml/2006/main">
   <p:cSld>
     <p:spTree>
@@ -12008,7 +12330,7 @@
 </p:sld>
 </file>
 
-<file path=ppt/slides/slide9.xml><?xml version="1.0" encoding="utf-8"?>
+<file path=ppt/slides/slide8.xml><?xml version="1.0" encoding="utf-8"?>
 <p:sld xmlns:a="http://schemas.openxmlformats.org/drawingml/2006/main" xmlns:r="http://schemas.openxmlformats.org/officeDocument/2006/relationships" xmlns:p="http://schemas.openxmlformats.org/presentationml/2006/main">
   <p:cSld>
     <p:spTree>
@@ -12102,10 +12424,10 @@
               <a:buNone/>
             </a:pPr>
             <a:r>
-              <a:rPr lang="en" sz="1600"/>
+              <a:rPr lang="en" sz="1600" dirty="0"/>
               <a:t>It’s important to understand the sample you’re using in your analysis. Fill in the information below about the sample you have received:</a:t>
             </a:r>
-            <a:endParaRPr sz="1600"/>
+            <a:endParaRPr sz="1600" dirty="0"/>
           </a:p>
         </p:txBody>
       </p:sp>
@@ -12116,17 +12438,14 @@
           <p:nvPr/>
         </p:nvPicPr>
         <p:blipFill>
-          <a:blip r:embed="rId3">
-            <a:alphaModFix/>
-          </a:blip>
-          <a:stretch>
-            <a:fillRect/>
-          </a:stretch>
+          <a:blip r:embed="rId3"/>
+          <a:srcRect/>
+          <a:stretch/>
         </p:blipFill>
         <p:spPr>
           <a:xfrm>
-            <a:off x="4976125" y="2500800"/>
-            <a:ext cx="3190474" cy="2392850"/>
+            <a:off x="4976125" y="2463225"/>
+            <a:ext cx="3190474" cy="2430425"/>
           </a:xfrm>
           <a:prstGeom prst="rect">
             <a:avLst/>
@@ -12202,17 +12521,14 @@
           <p:nvPr/>
         </p:nvPicPr>
         <p:blipFill>
-          <a:blip r:embed="rId3">
-            <a:alphaModFix/>
-          </a:blip>
-          <a:stretch>
-            <a:fillRect/>
-          </a:stretch>
+          <a:blip r:embed="rId4"/>
+          <a:srcRect/>
+          <a:stretch/>
         </p:blipFill>
         <p:spPr>
           <a:xfrm>
-            <a:off x="546900" y="2500800"/>
-            <a:ext cx="3190474" cy="2392850"/>
+            <a:off x="546900" y="2463225"/>
+            <a:ext cx="3190474" cy="2430425"/>
           </a:xfrm>
           <a:prstGeom prst="rect">
             <a:avLst/>
@@ -12258,7 +12574,7 @@
               <a:buNone/>
             </a:pPr>
             <a:r>
-              <a:rPr lang="en" sz="1800">
+              <a:rPr lang="en" sz="1800" dirty="0">
                 <a:solidFill>
                   <a:srgbClr val="434343"/>
                 </a:solidFill>
@@ -12269,7 +12585,232 @@
               </a:rPr>
               <a:t>Histogram of your clicks data:</a:t>
             </a:r>
-            <a:endParaRPr sz="1800">
+            <a:endParaRPr sz="1800" dirty="0">
+              <a:solidFill>
+                <a:srgbClr val="434343"/>
+              </a:solidFill>
+              <a:latin typeface="DM Sans"/>
+              <a:ea typeface="DM Sans"/>
+              <a:cs typeface="DM Sans"/>
+              <a:sym typeface="DM Sans"/>
+            </a:endParaRPr>
+          </a:p>
+        </p:txBody>
+      </p:sp>
+    </p:spTree>
+  </p:cSld>
+  <p:clrMapOvr>
+    <a:masterClrMapping/>
+  </p:clrMapOvr>
+</p:sld>
+</file>
+
+<file path=ppt/slides/slide9.xml><?xml version="1.0" encoding="utf-8"?>
+<p:sld xmlns:a="http://schemas.openxmlformats.org/drawingml/2006/main" xmlns:r="http://schemas.openxmlformats.org/officeDocument/2006/relationships" xmlns:p="http://schemas.openxmlformats.org/presentationml/2006/main">
+  <p:cSld>
+    <p:spTree>
+      <p:nvGrpSpPr>
+        <p:cNvPr id="1" name="Shape 124"/>
+        <p:cNvGrpSpPr/>
+        <p:nvPr/>
+      </p:nvGrpSpPr>
+      <p:grpSpPr>
+        <a:xfrm>
+          <a:off x="0" y="0"/>
+          <a:ext cx="0" cy="0"/>
+          <a:chOff x="0" y="0"/>
+          <a:chExt cx="0" cy="0"/>
+        </a:xfrm>
+      </p:grpSpPr>
+      <p:sp>
+        <p:nvSpPr>
+          <p:cNvPr id="125" name="Google Shape;125;p22"/>
+          <p:cNvSpPr txBox="1">
+            <a:spLocks noGrp="1"/>
+          </p:cNvSpPr>
+          <p:nvPr>
+            <p:ph type="title"/>
+          </p:nvPr>
+        </p:nvSpPr>
+        <p:spPr>
+          <a:xfrm>
+            <a:off x="311700" y="445025"/>
+            <a:ext cx="8520600" cy="572700"/>
+          </a:xfrm>
+          <a:prstGeom prst="rect">
+            <a:avLst/>
+          </a:prstGeom>
+        </p:spPr>
+        <p:txBody>
+          <a:bodyPr spcFirstLastPara="1" wrap="square" lIns="91425" tIns="91425" rIns="91425" bIns="91425" anchor="t" anchorCtr="0">
+            <a:noAutofit/>
+          </a:bodyPr>
+          <a:lstStyle/>
+          <a:p>
+            <a:pPr marL="0" lvl="0" indent="0" algn="l" rtl="0">
+              <a:spcBef>
+                <a:spcPts val="0"/>
+              </a:spcBef>
+              <a:spcAft>
+                <a:spcPts val="0"/>
+              </a:spcAft>
+              <a:buNone/>
+            </a:pPr>
+            <a:r>
+              <a:rPr lang="en" sz="2800"/>
+              <a:t>Sample Type</a:t>
+            </a:r>
+            <a:endParaRPr sz="2800"/>
+          </a:p>
+        </p:txBody>
+      </p:sp>
+      <p:sp>
+        <p:nvSpPr>
+          <p:cNvPr id="126" name="Google Shape;126;p22"/>
+          <p:cNvSpPr txBox="1">
+            <a:spLocks noGrp="1"/>
+          </p:cNvSpPr>
+          <p:nvPr>
+            <p:ph type="body" idx="1"/>
+          </p:nvPr>
+        </p:nvSpPr>
+        <p:spPr>
+          <a:xfrm>
+            <a:off x="311700" y="1152475"/>
+            <a:ext cx="8520600" cy="975621"/>
+          </a:xfrm>
+          <a:prstGeom prst="rect">
+            <a:avLst/>
+          </a:prstGeom>
+        </p:spPr>
+        <p:txBody>
+          <a:bodyPr spcFirstLastPara="1" wrap="square" lIns="91425" tIns="91425" rIns="91425" bIns="91425" anchor="t" anchorCtr="0">
+            <a:spAutoFit/>
+          </a:bodyPr>
+          <a:lstStyle/>
+          <a:p>
+            <a:pPr marL="0" lvl="0" indent="0" algn="l" rtl="0">
+              <a:spcBef>
+                <a:spcPts val="0"/>
+              </a:spcBef>
+              <a:spcAft>
+                <a:spcPts val="1200"/>
+              </a:spcAft>
+              <a:buNone/>
+            </a:pPr>
+            <a:r>
+              <a:rPr lang="en" dirty="0"/>
+              <a:t>It’s important to understand the sample you’re using in your analysis. Fill in the information below about the sample you have received:</a:t>
+            </a:r>
+            <a:endParaRPr dirty="0"/>
+          </a:p>
+        </p:txBody>
+      </p:sp>
+      <p:sp>
+        <p:nvSpPr>
+          <p:cNvPr id="127" name="Google Shape;127;p22"/>
+          <p:cNvSpPr txBox="1"/>
+          <p:nvPr/>
+        </p:nvSpPr>
+        <p:spPr>
+          <a:xfrm>
+            <a:off x="311700" y="3309525"/>
+            <a:ext cx="8520600" cy="461700"/>
+          </a:xfrm>
+          <a:prstGeom prst="rect">
+            <a:avLst/>
+          </a:prstGeom>
+          <a:noFill/>
+          <a:ln>
+            <a:noFill/>
+          </a:ln>
+        </p:spPr>
+        <p:txBody>
+          <a:bodyPr spcFirstLastPara="1" wrap="square" lIns="91425" tIns="91425" rIns="91425" bIns="91425" anchor="t" anchorCtr="0">
+            <a:spAutoFit/>
+          </a:bodyPr>
+          <a:lstStyle/>
+          <a:p>
+            <a:pPr marL="0" lvl="0" indent="0" algn="l" rtl="0">
+              <a:spcBef>
+                <a:spcPts val="0"/>
+              </a:spcBef>
+              <a:spcAft>
+                <a:spcPts val="0"/>
+              </a:spcAft>
+              <a:buNone/>
+            </a:pPr>
+            <a:r>
+              <a:rPr lang="en" sz="1800" dirty="0">
+                <a:solidFill>
+                  <a:srgbClr val="434343"/>
+                </a:solidFill>
+                <a:latin typeface="DM Sans"/>
+                <a:ea typeface="DM Sans"/>
+                <a:cs typeface="DM Sans"/>
+                <a:sym typeface="DM Sans"/>
+              </a:rPr>
+              <a:t>Does the conversions data have a normal distribution? No</a:t>
+            </a:r>
+            <a:endParaRPr sz="1800" dirty="0">
+              <a:solidFill>
+                <a:srgbClr val="434343"/>
+              </a:solidFill>
+              <a:latin typeface="DM Sans"/>
+              <a:ea typeface="DM Sans"/>
+              <a:cs typeface="DM Sans"/>
+              <a:sym typeface="DM Sans"/>
+            </a:endParaRPr>
+          </a:p>
+        </p:txBody>
+      </p:sp>
+      <p:sp>
+        <p:nvSpPr>
+          <p:cNvPr id="128" name="Google Shape;128;p22"/>
+          <p:cNvSpPr txBox="1"/>
+          <p:nvPr/>
+        </p:nvSpPr>
+        <p:spPr>
+          <a:xfrm>
+            <a:off x="311700" y="2707425"/>
+            <a:ext cx="8520600" cy="461700"/>
+          </a:xfrm>
+          <a:prstGeom prst="rect">
+            <a:avLst/>
+          </a:prstGeom>
+          <a:noFill/>
+          <a:ln>
+            <a:noFill/>
+          </a:ln>
+        </p:spPr>
+        <p:txBody>
+          <a:bodyPr spcFirstLastPara="1" wrap="square" lIns="91425" tIns="91425" rIns="91425" bIns="91425" anchor="t" anchorCtr="0">
+            <a:spAutoFit/>
+          </a:bodyPr>
+          <a:lstStyle/>
+          <a:p>
+            <a:pPr marL="0" lvl="0" indent="0" algn="l" rtl="0">
+              <a:spcBef>
+                <a:spcPts val="0"/>
+              </a:spcBef>
+              <a:spcAft>
+                <a:spcPts val="0"/>
+              </a:spcAft>
+              <a:buNone/>
+            </a:pPr>
+            <a:r>
+              <a:rPr lang="en" sz="1800" dirty="0">
+                <a:solidFill>
+                  <a:srgbClr val="434343"/>
+                </a:solidFill>
+                <a:latin typeface="DM Sans"/>
+                <a:ea typeface="DM Sans"/>
+                <a:cs typeface="DM Sans"/>
+                <a:sym typeface="DM Sans"/>
+              </a:rPr>
+              <a:t>Does the clicks data have a normal distribution? No</a:t>
+            </a:r>
+            <a:endParaRPr sz="1800" dirty="0">
               <a:solidFill>
                 <a:srgbClr val="434343"/>
               </a:solidFill>
